--- a/assets/GodotPlantilla.pptx
+++ b/assets/GodotPlantilla.pptx
@@ -6,13 +6,15 @@
   </p:sldMasterIdLst>
   <p:sldIdLst>
     <p:sldId id="256" r:id="rId2"/>
-    <p:sldId id="257" r:id="rId3"/>
-    <p:sldId id="259" r:id="rId4"/>
-    <p:sldId id="260" r:id="rId5"/>
-    <p:sldId id="261" r:id="rId6"/>
-    <p:sldId id="262" r:id="rId7"/>
-    <p:sldId id="263" r:id="rId8"/>
-    <p:sldId id="258" r:id="rId9"/>
+    <p:sldId id="265" r:id="rId3"/>
+    <p:sldId id="257" r:id="rId4"/>
+    <p:sldId id="259" r:id="rId5"/>
+    <p:sldId id="260" r:id="rId6"/>
+    <p:sldId id="261" r:id="rId7"/>
+    <p:sldId id="262" r:id="rId8"/>
+    <p:sldId id="263" r:id="rId9"/>
+    <p:sldId id="264" r:id="rId10"/>
+    <p:sldId id="258" r:id="rId11"/>
   </p:sldIdLst>
   <p:sldSz cx="12192000" cy="6858000"/>
   <p:notesSz cx="6858000" cy="9144000"/>
@@ -3891,6 +3893,1534 @@
           </p:txBody>
         </p:sp>
       </p:grpSp>
+      <p:pic>
+        <p:nvPicPr>
+          <p:cNvPr id="21" name="Gráfico 20" descr="Información">
+            <a:extLst>
+              <a:ext uri="{FF2B5EF4-FFF2-40B4-BE49-F238E27FC236}">
+                <a16:creationId xmlns:a16="http://schemas.microsoft.com/office/drawing/2014/main" id="{682D9FC4-BAC9-4726-8AC4-ECAFD6512E27}"/>
+              </a:ext>
+            </a:extLst>
+          </p:cNvPr>
+          <p:cNvPicPr>
+            <a:picLocks noChangeAspect="1"/>
+          </p:cNvPicPr>
+          <p:nvPr/>
+        </p:nvPicPr>
+        <p:blipFill>
+          <a:blip r:embed="rId3">
+            <a:extLst>
+              <a:ext uri="{28A0092B-C50C-407E-A947-70E740481C1C}">
+                <a14:useLocalDpi xmlns:a14="http://schemas.microsoft.com/office/drawing/2010/main" val="0"/>
+              </a:ext>
+              <a:ext uri="{96DAC541-7B7A-43D3-8B79-37D633B846F1}">
+                <asvg:svgBlip xmlns:asvg="http://schemas.microsoft.com/office/drawing/2016/SVG/main" r:embed="rId4"/>
+              </a:ext>
+            </a:extLst>
+          </a:blip>
+          <a:stretch>
+            <a:fillRect/>
+          </a:stretch>
+        </p:blipFill>
+        <p:spPr>
+          <a:xfrm>
+            <a:off x="2565322" y="921225"/>
+            <a:ext cx="275245" cy="290986"/>
+          </a:xfrm>
+          <a:prstGeom prst="rect">
+            <a:avLst/>
+          </a:prstGeom>
+        </p:spPr>
+      </p:pic>
+      <p:grpSp>
+        <p:nvGrpSpPr>
+          <p:cNvPr id="3" name="Grupo 2">
+            <a:extLst>
+              <a:ext uri="{FF2B5EF4-FFF2-40B4-BE49-F238E27FC236}">
+                <a16:creationId xmlns:a16="http://schemas.microsoft.com/office/drawing/2014/main" id="{4CBA44D3-D1AA-4E06-A796-ABCF2A740CC8}"/>
+              </a:ext>
+            </a:extLst>
+          </p:cNvPr>
+          <p:cNvGrpSpPr/>
+          <p:nvPr/>
+        </p:nvGrpSpPr>
+        <p:grpSpPr>
+          <a:xfrm>
+            <a:off x="3427279" y="675254"/>
+            <a:ext cx="7311617" cy="2302168"/>
+            <a:chOff x="3571212" y="2113839"/>
+            <a:chExt cx="7311617" cy="2302168"/>
+          </a:xfrm>
+        </p:grpSpPr>
+        <p:sp>
+          <p:nvSpPr>
+            <p:cNvPr id="26" name="CuadroTexto 25">
+              <a:extLst>
+                <a:ext uri="{FF2B5EF4-FFF2-40B4-BE49-F238E27FC236}">
+                  <a16:creationId xmlns:a16="http://schemas.microsoft.com/office/drawing/2014/main" id="{FF497D68-9B55-4BB9-87A8-1EF917BEA3DA}"/>
+                </a:ext>
+              </a:extLst>
+            </p:cNvPr>
+            <p:cNvSpPr txBox="1"/>
+            <p:nvPr/>
+          </p:nvSpPr>
+          <p:spPr>
+            <a:xfrm>
+              <a:off x="3994547" y="2113839"/>
+              <a:ext cx="6346609" cy="769441"/>
+            </a:xfrm>
+            <a:prstGeom prst="rect">
+              <a:avLst/>
+            </a:prstGeom>
+            <a:noFill/>
+          </p:spPr>
+          <p:txBody>
+            <a:bodyPr wrap="none" rtlCol="0">
+              <a:spAutoFit/>
+            </a:bodyPr>
+            <a:lstStyle/>
+            <a:p>
+              <a:r>
+                <a:rPr lang="es-EC" sz="4400" dirty="0">
+                  <a:solidFill>
+                    <a:srgbClr val="404040"/>
+                  </a:solidFill>
+                  <a:latin typeface="Roboto Slab" pitchFamily="2" charset="0"/>
+                  <a:ea typeface="Roboto Slab" pitchFamily="2" charset="0"/>
+                </a:rPr>
+                <a:t>!Lo que necesitas saber</a:t>
+              </a:r>
+              <a:endParaRPr lang="es-ES" sz="4400" dirty="0">
+                <a:solidFill>
+                  <a:srgbClr val="404040"/>
+                </a:solidFill>
+                <a:latin typeface="Roboto Slab" pitchFamily="2" charset="0"/>
+                <a:ea typeface="Roboto Slab" pitchFamily="2" charset="0"/>
+              </a:endParaRPr>
+            </a:p>
+          </p:txBody>
+        </p:sp>
+        <p:sp>
+          <p:nvSpPr>
+            <p:cNvPr id="27" name="CuadroTexto 26">
+              <a:extLst>
+                <a:ext uri="{FF2B5EF4-FFF2-40B4-BE49-F238E27FC236}">
+                  <a16:creationId xmlns:a16="http://schemas.microsoft.com/office/drawing/2014/main" id="{F29863B1-0471-420E-A6BB-889634C3CAB9}"/>
+                </a:ext>
+              </a:extLst>
+            </p:cNvPr>
+            <p:cNvSpPr txBox="1"/>
+            <p:nvPr/>
+          </p:nvSpPr>
+          <p:spPr>
+            <a:xfrm>
+              <a:off x="3571212" y="2877125"/>
+              <a:ext cx="7311617" cy="769441"/>
+            </a:xfrm>
+            <a:prstGeom prst="rect">
+              <a:avLst/>
+            </a:prstGeom>
+            <a:noFill/>
+          </p:spPr>
+          <p:txBody>
+            <a:bodyPr wrap="none" rtlCol="0">
+              <a:spAutoFit/>
+            </a:bodyPr>
+            <a:lstStyle/>
+            <a:p>
+              <a:r>
+                <a:rPr lang="es-EC" sz="4400" dirty="0">
+                  <a:solidFill>
+                    <a:srgbClr val="404040"/>
+                  </a:solidFill>
+                  <a:latin typeface="Roboto Slab" pitchFamily="2" charset="0"/>
+                  <a:ea typeface="Roboto Slab" pitchFamily="2" charset="0"/>
+                </a:rPr>
+                <a:t>Antes de comenzar a crear</a:t>
+              </a:r>
+            </a:p>
+          </p:txBody>
+        </p:sp>
+        <p:sp>
+          <p:nvSpPr>
+            <p:cNvPr id="28" name="CuadroTexto 27">
+              <a:extLst>
+                <a:ext uri="{FF2B5EF4-FFF2-40B4-BE49-F238E27FC236}">
+                  <a16:creationId xmlns:a16="http://schemas.microsoft.com/office/drawing/2014/main" id="{656CECA1-1408-4089-9B12-433BACD50A38}"/>
+                </a:ext>
+              </a:extLst>
+            </p:cNvPr>
+            <p:cNvSpPr txBox="1"/>
+            <p:nvPr/>
+          </p:nvSpPr>
+          <p:spPr>
+            <a:xfrm>
+              <a:off x="3810860" y="3646566"/>
+              <a:ext cx="6832320" cy="769441"/>
+            </a:xfrm>
+            <a:prstGeom prst="rect">
+              <a:avLst/>
+            </a:prstGeom>
+            <a:noFill/>
+          </p:spPr>
+          <p:txBody>
+            <a:bodyPr wrap="none" rtlCol="0">
+              <a:spAutoFit/>
+            </a:bodyPr>
+            <a:lstStyle/>
+            <a:p>
+              <a:r>
+                <a:rPr lang="es-EC" sz="4400" dirty="0">
+                  <a:solidFill>
+                    <a:srgbClr val="404040"/>
+                  </a:solidFill>
+                  <a:latin typeface="Roboto Slab" pitchFamily="2" charset="0"/>
+                  <a:ea typeface="Roboto Slab" pitchFamily="2" charset="0"/>
+                </a:rPr>
+                <a:t>Videojuegos con GODOT!</a:t>
+              </a:r>
+            </a:p>
+          </p:txBody>
+        </p:sp>
+      </p:grpSp>
+      <p:sp>
+        <p:nvSpPr>
+          <p:cNvPr id="19" name="Elipse 18">
+            <a:extLst>
+              <a:ext uri="{FF2B5EF4-FFF2-40B4-BE49-F238E27FC236}">
+                <a16:creationId xmlns:a16="http://schemas.microsoft.com/office/drawing/2014/main" id="{63D148FC-2AE7-4A58-8EA5-B39731373526}"/>
+              </a:ext>
+            </a:extLst>
+          </p:cNvPr>
+          <p:cNvSpPr/>
+          <p:nvPr/>
+        </p:nvSpPr>
+        <p:spPr>
+          <a:xfrm>
+            <a:off x="3050857" y="4936067"/>
+            <a:ext cx="156633" cy="156633"/>
+          </a:xfrm>
+          <a:prstGeom prst="ellipse">
+            <a:avLst/>
+          </a:prstGeom>
+          <a:solidFill>
+            <a:srgbClr val="2980B9"/>
+          </a:solidFill>
+          <a:ln>
+            <a:solidFill>
+              <a:srgbClr val="2980B9"/>
+            </a:solidFill>
+          </a:ln>
+        </p:spPr>
+        <p:style>
+          <a:lnRef idx="2">
+            <a:schemeClr val="accent1">
+              <a:shade val="50000"/>
+            </a:schemeClr>
+          </a:lnRef>
+          <a:fillRef idx="1">
+            <a:schemeClr val="accent1"/>
+          </a:fillRef>
+          <a:effectRef idx="0">
+            <a:schemeClr val="accent1"/>
+          </a:effectRef>
+          <a:fontRef idx="minor">
+            <a:schemeClr val="lt1"/>
+          </a:fontRef>
+        </p:style>
+        <p:txBody>
+          <a:bodyPr rtlCol="0" anchor="ctr"/>
+          <a:lstStyle/>
+          <a:p>
+            <a:pPr algn="ctr"/>
+            <a:endParaRPr lang="en-US"/>
+          </a:p>
+        </p:txBody>
+      </p:sp>
+      <p:sp>
+        <p:nvSpPr>
+          <p:cNvPr id="31" name="CuadroTexto 30">
+            <a:extLst>
+              <a:ext uri="{FF2B5EF4-FFF2-40B4-BE49-F238E27FC236}">
+                <a16:creationId xmlns:a16="http://schemas.microsoft.com/office/drawing/2014/main" id="{EBEF37E6-68EC-4478-B149-66718EFCC26C}"/>
+              </a:ext>
+            </a:extLst>
+          </p:cNvPr>
+          <p:cNvSpPr txBox="1"/>
+          <p:nvPr/>
+        </p:nvSpPr>
+        <p:spPr>
+          <a:xfrm>
+            <a:off x="3183467" y="4783550"/>
+            <a:ext cx="5854488" cy="461665"/>
+          </a:xfrm>
+          <a:prstGeom prst="rect">
+            <a:avLst/>
+          </a:prstGeom>
+          <a:noFill/>
+        </p:spPr>
+        <p:txBody>
+          <a:bodyPr wrap="none" rtlCol="0">
+            <a:spAutoFit/>
+          </a:bodyPr>
+          <a:lstStyle/>
+          <a:p>
+            <a:r>
+              <a:rPr lang="es-EC" sz="2400" dirty="0">
+                <a:solidFill>
+                  <a:srgbClr val="404040"/>
+                </a:solidFill>
+                <a:latin typeface="Roboto Slab" pitchFamily="2" charset="0"/>
+                <a:ea typeface="Roboto Slab" pitchFamily="2" charset="0"/>
+              </a:rPr>
+              <a:t>Vectores y Sistema de Coordenadas 2D</a:t>
+            </a:r>
+            <a:endParaRPr lang="es-ES" sz="2400" dirty="0">
+              <a:solidFill>
+                <a:srgbClr val="404040"/>
+              </a:solidFill>
+              <a:latin typeface="Roboto Slab" pitchFamily="2" charset="0"/>
+              <a:ea typeface="Roboto Slab" pitchFamily="2" charset="0"/>
+            </a:endParaRPr>
+          </a:p>
+        </p:txBody>
+      </p:sp>
+      <p:sp>
+        <p:nvSpPr>
+          <p:cNvPr id="32" name="Elipse 31">
+            <a:extLst>
+              <a:ext uri="{FF2B5EF4-FFF2-40B4-BE49-F238E27FC236}">
+                <a16:creationId xmlns:a16="http://schemas.microsoft.com/office/drawing/2014/main" id="{7E4049BF-C519-4E69-81C2-F3B83F301893}"/>
+              </a:ext>
+            </a:extLst>
+          </p:cNvPr>
+          <p:cNvSpPr/>
+          <p:nvPr/>
+        </p:nvSpPr>
+        <p:spPr>
+          <a:xfrm>
+            <a:off x="3050857" y="5367867"/>
+            <a:ext cx="156633" cy="156633"/>
+          </a:xfrm>
+          <a:prstGeom prst="ellipse">
+            <a:avLst/>
+          </a:prstGeom>
+          <a:solidFill>
+            <a:srgbClr val="2980B9"/>
+          </a:solidFill>
+          <a:ln>
+            <a:solidFill>
+              <a:srgbClr val="2980B9"/>
+            </a:solidFill>
+          </a:ln>
+        </p:spPr>
+        <p:style>
+          <a:lnRef idx="2">
+            <a:schemeClr val="accent1">
+              <a:shade val="50000"/>
+            </a:schemeClr>
+          </a:lnRef>
+          <a:fillRef idx="1">
+            <a:schemeClr val="accent1"/>
+          </a:fillRef>
+          <a:effectRef idx="0">
+            <a:schemeClr val="accent1"/>
+          </a:effectRef>
+          <a:fontRef idx="minor">
+            <a:schemeClr val="lt1"/>
+          </a:fontRef>
+        </p:style>
+        <p:txBody>
+          <a:bodyPr rtlCol="0" anchor="ctr"/>
+          <a:lstStyle/>
+          <a:p>
+            <a:pPr algn="ctr"/>
+            <a:endParaRPr lang="en-US"/>
+          </a:p>
+        </p:txBody>
+      </p:sp>
+      <p:sp>
+        <p:nvSpPr>
+          <p:cNvPr id="33" name="CuadroTexto 32">
+            <a:extLst>
+              <a:ext uri="{FF2B5EF4-FFF2-40B4-BE49-F238E27FC236}">
+                <a16:creationId xmlns:a16="http://schemas.microsoft.com/office/drawing/2014/main" id="{A205BAE9-2021-40D6-987E-DEF0EC1C320B}"/>
+              </a:ext>
+            </a:extLst>
+          </p:cNvPr>
+          <p:cNvSpPr txBox="1"/>
+          <p:nvPr/>
+        </p:nvSpPr>
+        <p:spPr>
+          <a:xfrm>
+            <a:off x="3183467" y="5215350"/>
+            <a:ext cx="4129657" cy="461665"/>
+          </a:xfrm>
+          <a:prstGeom prst="rect">
+            <a:avLst/>
+          </a:prstGeom>
+          <a:noFill/>
+        </p:spPr>
+        <p:txBody>
+          <a:bodyPr wrap="none" rtlCol="0">
+            <a:spAutoFit/>
+          </a:bodyPr>
+          <a:lstStyle/>
+          <a:p>
+            <a:r>
+              <a:rPr lang="es-EC" sz="2400" dirty="0">
+                <a:solidFill>
+                  <a:srgbClr val="404040"/>
+                </a:solidFill>
+                <a:latin typeface="Roboto Slab" pitchFamily="2" charset="0"/>
+                <a:ea typeface="Roboto Slab" pitchFamily="2" charset="0"/>
+              </a:rPr>
+              <a:t>La Función _process(delta)</a:t>
+            </a:r>
+            <a:endParaRPr lang="es-ES" sz="2400" dirty="0">
+              <a:solidFill>
+                <a:srgbClr val="404040"/>
+              </a:solidFill>
+              <a:latin typeface="Roboto Slab" pitchFamily="2" charset="0"/>
+              <a:ea typeface="Roboto Slab" pitchFamily="2" charset="0"/>
+            </a:endParaRPr>
+          </a:p>
+        </p:txBody>
+      </p:sp>
+      <p:sp>
+        <p:nvSpPr>
+          <p:cNvPr id="34" name="Elipse 33">
+            <a:extLst>
+              <a:ext uri="{FF2B5EF4-FFF2-40B4-BE49-F238E27FC236}">
+                <a16:creationId xmlns:a16="http://schemas.microsoft.com/office/drawing/2014/main" id="{C3445105-E720-46ED-991F-F731BDA1BD73}"/>
+              </a:ext>
+            </a:extLst>
+          </p:cNvPr>
+          <p:cNvSpPr/>
+          <p:nvPr/>
+        </p:nvSpPr>
+        <p:spPr>
+          <a:xfrm>
+            <a:off x="3074880" y="5751216"/>
+            <a:ext cx="156633" cy="156633"/>
+          </a:xfrm>
+          <a:prstGeom prst="ellipse">
+            <a:avLst/>
+          </a:prstGeom>
+          <a:solidFill>
+            <a:srgbClr val="2980B9"/>
+          </a:solidFill>
+          <a:ln>
+            <a:solidFill>
+              <a:srgbClr val="2980B9"/>
+            </a:solidFill>
+          </a:ln>
+        </p:spPr>
+        <p:style>
+          <a:lnRef idx="2">
+            <a:schemeClr val="accent1">
+              <a:shade val="50000"/>
+            </a:schemeClr>
+          </a:lnRef>
+          <a:fillRef idx="1">
+            <a:schemeClr val="accent1"/>
+          </a:fillRef>
+          <a:effectRef idx="0">
+            <a:schemeClr val="accent1"/>
+          </a:effectRef>
+          <a:fontRef idx="minor">
+            <a:schemeClr val="lt1"/>
+          </a:fontRef>
+        </p:style>
+        <p:txBody>
+          <a:bodyPr rtlCol="0" anchor="ctr"/>
+          <a:lstStyle/>
+          <a:p>
+            <a:pPr algn="ctr"/>
+            <a:endParaRPr lang="en-US"/>
+          </a:p>
+        </p:txBody>
+      </p:sp>
+      <p:sp>
+        <p:nvSpPr>
+          <p:cNvPr id="35" name="CuadroTexto 34">
+            <a:extLst>
+              <a:ext uri="{FF2B5EF4-FFF2-40B4-BE49-F238E27FC236}">
+                <a16:creationId xmlns:a16="http://schemas.microsoft.com/office/drawing/2014/main" id="{6001624B-DE66-469D-A1A9-A3F5C624D6C3}"/>
+              </a:ext>
+            </a:extLst>
+          </p:cNvPr>
+          <p:cNvSpPr txBox="1"/>
+          <p:nvPr/>
+        </p:nvSpPr>
+        <p:spPr>
+          <a:xfrm>
+            <a:off x="3207490" y="5598699"/>
+            <a:ext cx="2425664" cy="461665"/>
+          </a:xfrm>
+          <a:prstGeom prst="rect">
+            <a:avLst/>
+          </a:prstGeom>
+          <a:noFill/>
+        </p:spPr>
+        <p:txBody>
+          <a:bodyPr wrap="none" rtlCol="0">
+            <a:spAutoFit/>
+          </a:bodyPr>
+          <a:lstStyle/>
+          <a:p>
+            <a:r>
+              <a:rPr lang="es-EC" sz="2400" dirty="0">
+                <a:solidFill>
+                  <a:srgbClr val="404040"/>
+                </a:solidFill>
+                <a:latin typeface="Roboto Slab" pitchFamily="2" charset="0"/>
+                <a:ea typeface="Roboto Slab" pitchFamily="2" charset="0"/>
+              </a:rPr>
+              <a:t>Cuerpos físicos</a:t>
+            </a:r>
+            <a:endParaRPr lang="es-ES" sz="2400" dirty="0">
+              <a:solidFill>
+                <a:srgbClr val="404040"/>
+              </a:solidFill>
+              <a:latin typeface="Roboto Slab" pitchFamily="2" charset="0"/>
+              <a:ea typeface="Roboto Slab" pitchFamily="2" charset="0"/>
+            </a:endParaRPr>
+          </a:p>
+        </p:txBody>
+      </p:sp>
+    </p:spTree>
+    <p:extLst>
+      <p:ext uri="{BB962C8B-B14F-4D97-AF65-F5344CB8AC3E}">
+        <p14:creationId xmlns:p14="http://schemas.microsoft.com/office/powerpoint/2010/main" val="3137557153"/>
+      </p:ext>
+    </p:extLst>
+  </p:cSld>
+  <p:clrMapOvr>
+    <a:masterClrMapping/>
+  </p:clrMapOvr>
+</p:sld>
+</file>
+
+<file path=ppt/slides/slide10.xml><?xml version="1.0" encoding="utf-8"?>
+<p:sld xmlns:a="http://schemas.openxmlformats.org/drawingml/2006/main" xmlns:r="http://schemas.openxmlformats.org/officeDocument/2006/relationships" xmlns:p="http://schemas.openxmlformats.org/presentationml/2006/main" show="0">
+  <p:cSld>
+    <p:spTree>
+      <p:nvGrpSpPr>
+        <p:cNvPr id="1" name=""/>
+        <p:cNvGrpSpPr/>
+        <p:nvPr/>
+      </p:nvGrpSpPr>
+      <p:grpSpPr>
+        <a:xfrm>
+          <a:off x="0" y="0"/>
+          <a:ext cx="0" cy="0"/>
+          <a:chOff x="0" y="0"/>
+          <a:chExt cx="0" cy="0"/>
+        </a:xfrm>
+      </p:grpSpPr>
+      <p:sp>
+        <p:nvSpPr>
+          <p:cNvPr id="10" name="Rectángulo 9">
+            <a:extLst>
+              <a:ext uri="{FF2B5EF4-FFF2-40B4-BE49-F238E27FC236}">
+                <a16:creationId xmlns:a16="http://schemas.microsoft.com/office/drawing/2014/main" id="{E82A08A0-53CB-4E6D-9CC5-DD78AC782562}"/>
+              </a:ext>
+            </a:extLst>
+          </p:cNvPr>
+          <p:cNvSpPr/>
+          <p:nvPr/>
+        </p:nvSpPr>
+        <p:spPr>
+          <a:xfrm>
+            <a:off x="1204780" y="2420640"/>
+            <a:ext cx="9303390" cy="800561"/>
+          </a:xfrm>
+          <a:prstGeom prst="rect">
+            <a:avLst/>
+          </a:prstGeom>
+          <a:solidFill>
+            <a:srgbClr val="EEFFCC"/>
+          </a:solidFill>
+          <a:ln>
+            <a:solidFill>
+              <a:srgbClr val="E1E4E5"/>
+            </a:solidFill>
+          </a:ln>
+        </p:spPr>
+        <p:style>
+          <a:lnRef idx="2">
+            <a:schemeClr val="accent1">
+              <a:shade val="50000"/>
+            </a:schemeClr>
+          </a:lnRef>
+          <a:fillRef idx="1">
+            <a:schemeClr val="accent1"/>
+          </a:fillRef>
+          <a:effectRef idx="0">
+            <a:schemeClr val="accent1"/>
+          </a:effectRef>
+          <a:fontRef idx="minor">
+            <a:schemeClr val="lt1"/>
+          </a:fontRef>
+        </p:style>
+        <p:txBody>
+          <a:bodyPr rtlCol="0" anchor="ctr"/>
+          <a:lstStyle/>
+          <a:p>
+            <a:pPr algn="r"/>
+            <a:endParaRPr lang="es-ES" dirty="0"/>
+          </a:p>
+        </p:txBody>
+      </p:sp>
+      <p:sp>
+        <p:nvSpPr>
+          <p:cNvPr id="11" name="CuadroTexto 10">
+            <a:extLst>
+              <a:ext uri="{FF2B5EF4-FFF2-40B4-BE49-F238E27FC236}">
+                <a16:creationId xmlns:a16="http://schemas.microsoft.com/office/drawing/2014/main" id="{80C980FC-05A0-4640-B5F6-1B12130FFAED}"/>
+              </a:ext>
+            </a:extLst>
+          </p:cNvPr>
+          <p:cNvSpPr txBox="1"/>
+          <p:nvPr/>
+        </p:nvSpPr>
+        <p:spPr>
+          <a:xfrm>
+            <a:off x="1242126" y="2433261"/>
+            <a:ext cx="456323" cy="276999"/>
+          </a:xfrm>
+          <a:prstGeom prst="rect">
+            <a:avLst/>
+          </a:prstGeom>
+          <a:noFill/>
+        </p:spPr>
+        <p:txBody>
+          <a:bodyPr wrap="square" rtlCol="0">
+            <a:spAutoFit/>
+          </a:bodyPr>
+          <a:lstStyle/>
+          <a:p>
+            <a:r>
+              <a:rPr lang="es-EC" sz="1200" dirty="0">
+                <a:solidFill>
+                  <a:srgbClr val="007020"/>
+                </a:solidFill>
+                <a:latin typeface="Roboto Slab Medium" pitchFamily="2" charset="0"/>
+                <a:ea typeface="Roboto Slab Medium" pitchFamily="2" charset="0"/>
+              </a:rPr>
+              <a:t>for</a:t>
+            </a:r>
+            <a:endParaRPr lang="es-ES" dirty="0">
+              <a:solidFill>
+                <a:srgbClr val="007020"/>
+              </a:solidFill>
+              <a:latin typeface="Roboto Slab Medium" pitchFamily="2" charset="0"/>
+              <a:ea typeface="Roboto Slab Medium" pitchFamily="2" charset="0"/>
+            </a:endParaRPr>
+          </a:p>
+        </p:txBody>
+      </p:sp>
+      <p:sp>
+        <p:nvSpPr>
+          <p:cNvPr id="12" name="CuadroTexto 11">
+            <a:extLst>
+              <a:ext uri="{FF2B5EF4-FFF2-40B4-BE49-F238E27FC236}">
+                <a16:creationId xmlns:a16="http://schemas.microsoft.com/office/drawing/2014/main" id="{EC54E1BA-27E2-4757-A695-1F5925F74592}"/>
+              </a:ext>
+            </a:extLst>
+          </p:cNvPr>
+          <p:cNvSpPr txBox="1"/>
+          <p:nvPr/>
+        </p:nvSpPr>
+        <p:spPr>
+          <a:xfrm>
+            <a:off x="1581048" y="2438342"/>
+            <a:ext cx="798967" cy="276999"/>
+          </a:xfrm>
+          <a:prstGeom prst="rect">
+            <a:avLst/>
+          </a:prstGeom>
+          <a:noFill/>
+        </p:spPr>
+        <p:txBody>
+          <a:bodyPr wrap="square" rtlCol="0">
+            <a:spAutoFit/>
+          </a:bodyPr>
+          <a:lstStyle/>
+          <a:p>
+            <a:r>
+              <a:rPr lang="es-EC" sz="1200" dirty="0">
+                <a:solidFill>
+                  <a:srgbClr val="4070A0"/>
+                </a:solidFill>
+                <a:latin typeface="Roboto Slab Medium" pitchFamily="2" charset="0"/>
+                <a:ea typeface="Roboto Slab Medium" pitchFamily="2" charset="0"/>
+              </a:rPr>
+              <a:t>“Hello”</a:t>
+            </a:r>
+            <a:endParaRPr lang="es-ES" dirty="0">
+              <a:solidFill>
+                <a:srgbClr val="4070A0"/>
+              </a:solidFill>
+              <a:latin typeface="Roboto Slab Medium" pitchFamily="2" charset="0"/>
+              <a:ea typeface="Roboto Slab Medium" pitchFamily="2" charset="0"/>
+            </a:endParaRPr>
+          </a:p>
+        </p:txBody>
+      </p:sp>
+      <p:sp>
+        <p:nvSpPr>
+          <p:cNvPr id="13" name="CuadroTexto 12">
+            <a:extLst>
+              <a:ext uri="{FF2B5EF4-FFF2-40B4-BE49-F238E27FC236}">
+                <a16:creationId xmlns:a16="http://schemas.microsoft.com/office/drawing/2014/main" id="{E88BBEA2-EF2E-4DBA-8B32-E7522F14FC48}"/>
+              </a:ext>
+            </a:extLst>
+          </p:cNvPr>
+          <p:cNvSpPr txBox="1"/>
+          <p:nvPr/>
+        </p:nvSpPr>
+        <p:spPr>
+          <a:xfrm>
+            <a:off x="1581047" y="2703568"/>
+            <a:ext cx="798967" cy="276999"/>
+          </a:xfrm>
+          <a:prstGeom prst="rect">
+            <a:avLst/>
+          </a:prstGeom>
+          <a:noFill/>
+        </p:spPr>
+        <p:txBody>
+          <a:bodyPr wrap="square" rtlCol="0">
+            <a:spAutoFit/>
+          </a:bodyPr>
+          <a:lstStyle/>
+          <a:p>
+            <a:r>
+              <a:rPr lang="es-EC" sz="1200" dirty="0">
+                <a:solidFill>
+                  <a:srgbClr val="404044"/>
+                </a:solidFill>
+                <a:latin typeface="Roboto Slab Medium" pitchFamily="2" charset="0"/>
+                <a:ea typeface="Roboto Slab Medium" pitchFamily="2" charset="0"/>
+              </a:rPr>
+              <a:t>Hello</a:t>
+            </a:r>
+            <a:endParaRPr lang="es-ES" dirty="0">
+              <a:solidFill>
+                <a:srgbClr val="404044"/>
+              </a:solidFill>
+              <a:latin typeface="Roboto Slab Medium" pitchFamily="2" charset="0"/>
+              <a:ea typeface="Roboto Slab Medium" pitchFamily="2" charset="0"/>
+            </a:endParaRPr>
+          </a:p>
+        </p:txBody>
+      </p:sp>
+      <p:grpSp>
+        <p:nvGrpSpPr>
+          <p:cNvPr id="14" name="Grupo 13">
+            <a:extLst>
+              <a:ext uri="{FF2B5EF4-FFF2-40B4-BE49-F238E27FC236}">
+                <a16:creationId xmlns:a16="http://schemas.microsoft.com/office/drawing/2014/main" id="{43F4F405-A131-49A2-A56A-2A42DD144A62}"/>
+              </a:ext>
+            </a:extLst>
+          </p:cNvPr>
+          <p:cNvGrpSpPr/>
+          <p:nvPr/>
+        </p:nvGrpSpPr>
+        <p:grpSpPr>
+          <a:xfrm>
+            <a:off x="1090480" y="608789"/>
+            <a:ext cx="9306645" cy="1564327"/>
+            <a:chOff x="2491713" y="3758653"/>
+            <a:chExt cx="9306645" cy="1564327"/>
+          </a:xfrm>
+        </p:grpSpPr>
+        <p:sp>
+          <p:nvSpPr>
+            <p:cNvPr id="15" name="Rectángulo 14">
+              <a:extLst>
+                <a:ext uri="{FF2B5EF4-FFF2-40B4-BE49-F238E27FC236}">
+                  <a16:creationId xmlns:a16="http://schemas.microsoft.com/office/drawing/2014/main" id="{7785F8E3-4853-445E-9D1F-EA3A8864FB75}"/>
+                </a:ext>
+              </a:extLst>
+            </p:cNvPr>
+            <p:cNvSpPr/>
+            <p:nvPr/>
+          </p:nvSpPr>
+          <p:spPr>
+            <a:xfrm>
+              <a:off x="2494967" y="3795658"/>
+              <a:ext cx="9303391" cy="290092"/>
+            </a:xfrm>
+            <a:prstGeom prst="rect">
+              <a:avLst/>
+            </a:prstGeom>
+            <a:solidFill>
+              <a:srgbClr val="1ABC9C"/>
+            </a:solidFill>
+            <a:ln>
+              <a:solidFill>
+                <a:srgbClr val="1ABC9C"/>
+              </a:solidFill>
+            </a:ln>
+          </p:spPr>
+          <p:style>
+            <a:lnRef idx="2">
+              <a:schemeClr val="accent1">
+                <a:shade val="50000"/>
+              </a:schemeClr>
+            </a:lnRef>
+            <a:fillRef idx="1">
+              <a:schemeClr val="accent1"/>
+            </a:fillRef>
+            <a:effectRef idx="0">
+              <a:schemeClr val="accent1"/>
+            </a:effectRef>
+            <a:fontRef idx="minor">
+              <a:schemeClr val="lt1"/>
+            </a:fontRef>
+          </p:style>
+          <p:txBody>
+            <a:bodyPr rtlCol="0" anchor="ctr"/>
+            <a:lstStyle/>
+            <a:p>
+              <a:pPr algn="r"/>
+              <a:endParaRPr lang="es-ES" dirty="0"/>
+            </a:p>
+          </p:txBody>
+        </p:sp>
+        <p:pic>
+          <p:nvPicPr>
+            <p:cNvPr id="16" name="Gráfico 15" descr="Información">
+              <a:extLst>
+                <a:ext uri="{FF2B5EF4-FFF2-40B4-BE49-F238E27FC236}">
+                  <a16:creationId xmlns:a16="http://schemas.microsoft.com/office/drawing/2014/main" id="{9A0784A0-515C-4C4B-A692-EC59520695ED}"/>
+                </a:ext>
+              </a:extLst>
+            </p:cNvPr>
+            <p:cNvPicPr>
+              <a:picLocks noChangeAspect="1"/>
+            </p:cNvPicPr>
+            <p:nvPr/>
+          </p:nvPicPr>
+          <p:blipFill>
+            <a:blip r:embed="rId2">
+              <a:extLst>
+                <a:ext uri="{28A0092B-C50C-407E-A947-70E740481C1C}">
+                  <a14:useLocalDpi xmlns:a14="http://schemas.microsoft.com/office/drawing/2010/main" val="0"/>
+                </a:ext>
+                <a:ext uri="{96DAC541-7B7A-43D3-8B79-37D633B846F1}">
+                  <asvg:svgBlip xmlns:asvg="http://schemas.microsoft.com/office/drawing/2016/SVG/main" r:embed="rId3"/>
+                </a:ext>
+              </a:extLst>
+            </a:blip>
+            <a:stretch>
+              <a:fillRect/>
+            </a:stretch>
+          </p:blipFill>
+          <p:spPr>
+            <a:xfrm>
+              <a:off x="2493256" y="3795659"/>
+              <a:ext cx="275245" cy="290986"/>
+            </a:xfrm>
+            <a:prstGeom prst="rect">
+              <a:avLst/>
+            </a:prstGeom>
+          </p:spPr>
+        </p:pic>
+        <p:sp>
+          <p:nvSpPr>
+            <p:cNvPr id="17" name="CuadroTexto 16">
+              <a:extLst>
+                <a:ext uri="{FF2B5EF4-FFF2-40B4-BE49-F238E27FC236}">
+                  <a16:creationId xmlns:a16="http://schemas.microsoft.com/office/drawing/2014/main" id="{CE16275E-DB29-452D-90FB-D9E99F1D6BDE}"/>
+                </a:ext>
+              </a:extLst>
+            </p:cNvPr>
+            <p:cNvSpPr txBox="1"/>
+            <p:nvPr/>
+          </p:nvSpPr>
+          <p:spPr>
+            <a:xfrm>
+              <a:off x="2694812" y="3758653"/>
+              <a:ext cx="8989090" cy="369332"/>
+            </a:xfrm>
+            <a:prstGeom prst="rect">
+              <a:avLst/>
+            </a:prstGeom>
+            <a:noFill/>
+          </p:spPr>
+          <p:txBody>
+            <a:bodyPr wrap="square" rtlCol="0">
+              <a:spAutoFit/>
+            </a:bodyPr>
+            <a:lstStyle/>
+            <a:p>
+              <a:r>
+                <a:rPr lang="es-EC" b="1" dirty="0">
+                  <a:solidFill>
+                    <a:schemeClr val="bg1"/>
+                  </a:solidFill>
+                  <a:latin typeface="Roboto Slab" pitchFamily="2" charset="0"/>
+                  <a:ea typeface="Roboto Slab" pitchFamily="2" charset="0"/>
+                </a:rPr>
+                <a:t>Titulo</a:t>
+              </a:r>
+              <a:endParaRPr lang="es-ES" sz="3200" b="1" dirty="0">
+                <a:solidFill>
+                  <a:schemeClr val="bg1"/>
+                </a:solidFill>
+                <a:latin typeface="Roboto Slab" pitchFamily="2" charset="0"/>
+                <a:ea typeface="Roboto Slab" pitchFamily="2" charset="0"/>
+              </a:endParaRPr>
+            </a:p>
+          </p:txBody>
+        </p:sp>
+        <p:sp>
+          <p:nvSpPr>
+            <p:cNvPr id="18" name="Rectángulo 17">
+              <a:extLst>
+                <a:ext uri="{FF2B5EF4-FFF2-40B4-BE49-F238E27FC236}">
+                  <a16:creationId xmlns:a16="http://schemas.microsoft.com/office/drawing/2014/main" id="{63B60BBE-2798-4605-A2CB-7F2268A65B7B}"/>
+                </a:ext>
+              </a:extLst>
+            </p:cNvPr>
+            <p:cNvSpPr/>
+            <p:nvPr/>
+          </p:nvSpPr>
+          <p:spPr>
+            <a:xfrm>
+              <a:off x="2491713" y="4100458"/>
+              <a:ext cx="9303390" cy="1222522"/>
+            </a:xfrm>
+            <a:prstGeom prst="rect">
+              <a:avLst/>
+            </a:prstGeom>
+            <a:solidFill>
+              <a:srgbClr val="DBFAF4"/>
+            </a:solidFill>
+            <a:ln>
+              <a:solidFill>
+                <a:srgbClr val="DBFAF4"/>
+              </a:solidFill>
+            </a:ln>
+          </p:spPr>
+          <p:style>
+            <a:lnRef idx="2">
+              <a:schemeClr val="accent1">
+                <a:shade val="50000"/>
+              </a:schemeClr>
+            </a:lnRef>
+            <a:fillRef idx="1">
+              <a:schemeClr val="accent1"/>
+            </a:fillRef>
+            <a:effectRef idx="0">
+              <a:schemeClr val="accent1"/>
+            </a:effectRef>
+            <a:fontRef idx="minor">
+              <a:schemeClr val="lt1"/>
+            </a:fontRef>
+          </p:style>
+          <p:txBody>
+            <a:bodyPr rtlCol="0" anchor="ctr"/>
+            <a:lstStyle/>
+            <a:p>
+              <a:pPr algn="r"/>
+              <a:endParaRPr lang="es-ES" dirty="0"/>
+            </a:p>
+          </p:txBody>
+        </p:sp>
+      </p:grpSp>
+    </p:spTree>
+    <p:extLst>
+      <p:ext uri="{BB962C8B-B14F-4D97-AF65-F5344CB8AC3E}">
+        <p14:creationId xmlns:p14="http://schemas.microsoft.com/office/powerpoint/2010/main" val="3213522453"/>
+      </p:ext>
+    </p:extLst>
+  </p:cSld>
+  <p:clrMapOvr>
+    <a:masterClrMapping/>
+  </p:clrMapOvr>
+</p:sld>
+</file>
+
+<file path=ppt/slides/slide2.xml><?xml version="1.0" encoding="utf-8"?>
+<p:sld xmlns:a="http://schemas.openxmlformats.org/drawingml/2006/main" xmlns:r="http://schemas.openxmlformats.org/officeDocument/2006/relationships" xmlns:p="http://schemas.openxmlformats.org/presentationml/2006/main">
+  <p:cSld>
+    <p:bg>
+      <p:bgPr>
+        <a:solidFill>
+          <a:srgbClr val="FCFCFC"/>
+        </a:solidFill>
+        <a:effectLst/>
+      </p:bgPr>
+    </p:bg>
+    <p:spTree>
+      <p:nvGrpSpPr>
+        <p:cNvPr id="1" name=""/>
+        <p:cNvGrpSpPr/>
+        <p:nvPr/>
+      </p:nvGrpSpPr>
+      <p:grpSpPr>
+        <a:xfrm>
+          <a:off x="0" y="0"/>
+          <a:ext cx="0" cy="0"/>
+          <a:chOff x="0" y="0"/>
+          <a:chExt cx="0" cy="0"/>
+        </a:xfrm>
+      </p:grpSpPr>
+      <p:sp>
+        <p:nvSpPr>
+          <p:cNvPr id="4" name="Rectángulo 3">
+            <a:extLst>
+              <a:ext uri="{FF2B5EF4-FFF2-40B4-BE49-F238E27FC236}">
+                <a16:creationId xmlns:a16="http://schemas.microsoft.com/office/drawing/2014/main" id="{42D5D111-669F-4D14-8A82-F487C3E3F0C1}"/>
+              </a:ext>
+            </a:extLst>
+          </p:cNvPr>
+          <p:cNvSpPr/>
+          <p:nvPr/>
+        </p:nvSpPr>
+        <p:spPr>
+          <a:xfrm>
+            <a:off x="0" y="0"/>
+            <a:ext cx="2218888" cy="2420224"/>
+          </a:xfrm>
+          <a:prstGeom prst="rect">
+            <a:avLst/>
+          </a:prstGeom>
+          <a:solidFill>
+            <a:srgbClr val="2980B9"/>
+          </a:solidFill>
+          <a:ln>
+            <a:solidFill>
+              <a:srgbClr val="3380B9"/>
+            </a:solidFill>
+          </a:ln>
+        </p:spPr>
+        <p:style>
+          <a:lnRef idx="2">
+            <a:schemeClr val="accent1">
+              <a:shade val="50000"/>
+            </a:schemeClr>
+          </a:lnRef>
+          <a:fillRef idx="1">
+            <a:schemeClr val="accent1"/>
+          </a:fillRef>
+          <a:effectRef idx="0">
+            <a:schemeClr val="accent1"/>
+          </a:effectRef>
+          <a:fontRef idx="minor">
+            <a:schemeClr val="lt1"/>
+          </a:fontRef>
+        </p:style>
+        <p:txBody>
+          <a:bodyPr rtlCol="0" anchor="ctr"/>
+          <a:lstStyle/>
+          <a:p>
+            <a:pPr algn="r"/>
+            <a:endParaRPr lang="es-ES" dirty="0"/>
+          </a:p>
+        </p:txBody>
+      </p:sp>
+      <p:pic>
+        <p:nvPicPr>
+          <p:cNvPr id="1026" name="Picture 2" descr="Logo">
+            <a:extLst>
+              <a:ext uri="{FF2B5EF4-FFF2-40B4-BE49-F238E27FC236}">
+                <a16:creationId xmlns:a16="http://schemas.microsoft.com/office/drawing/2014/main" id="{2B16BEB5-34F4-4F9E-A7EA-D0184C8FA148}"/>
+              </a:ext>
+            </a:extLst>
+          </p:cNvPr>
+          <p:cNvPicPr>
+            <a:picLocks noChangeAspect="1" noChangeArrowheads="1"/>
+          </p:cNvPicPr>
+          <p:nvPr/>
+        </p:nvPicPr>
+        <p:blipFill>
+          <a:blip r:embed="rId2">
+            <a:extLst>
+              <a:ext uri="{28A0092B-C50C-407E-A947-70E740481C1C}">
+                <a14:useLocalDpi xmlns:a14="http://schemas.microsoft.com/office/drawing/2010/main" val="0"/>
+              </a:ext>
+            </a:extLst>
+          </a:blip>
+          <a:srcRect/>
+          <a:stretch>
+            <a:fillRect/>
+          </a:stretch>
+        </p:blipFill>
+        <p:spPr bwMode="auto">
+          <a:xfrm>
+            <a:off x="469248" y="35059"/>
+            <a:ext cx="1280391" cy="1280391"/>
+          </a:xfrm>
+          <a:prstGeom prst="rect">
+            <a:avLst/>
+          </a:prstGeom>
+          <a:noFill/>
+          <a:extLst>
+            <a:ext uri="{909E8E84-426E-40DD-AFC4-6F175D3DCCD1}">
+              <a14:hiddenFill xmlns:a14="http://schemas.microsoft.com/office/drawing/2010/main">
+                <a:solidFill>
+                  <a:srgbClr val="FFFFFF"/>
+                </a:solidFill>
+              </a14:hiddenFill>
+            </a:ext>
+          </a:extLst>
+        </p:spPr>
+      </p:pic>
+      <p:sp>
+        <p:nvSpPr>
+          <p:cNvPr id="6" name="Rectángulo 5">
+            <a:extLst>
+              <a:ext uri="{FF2B5EF4-FFF2-40B4-BE49-F238E27FC236}">
+                <a16:creationId xmlns:a16="http://schemas.microsoft.com/office/drawing/2014/main" id="{891482C0-D1FC-4853-BE4F-B6B065F34CDF}"/>
+              </a:ext>
+            </a:extLst>
+          </p:cNvPr>
+          <p:cNvSpPr/>
+          <p:nvPr/>
+        </p:nvSpPr>
+        <p:spPr>
+          <a:xfrm>
+            <a:off x="-1" y="2420223"/>
+            <a:ext cx="2218888" cy="4402717"/>
+          </a:xfrm>
+          <a:prstGeom prst="rect">
+            <a:avLst/>
+          </a:prstGeom>
+          <a:solidFill>
+            <a:srgbClr val="343131"/>
+          </a:solidFill>
+          <a:ln>
+            <a:solidFill>
+              <a:srgbClr val="343131"/>
+            </a:solidFill>
+          </a:ln>
+        </p:spPr>
+        <p:style>
+          <a:lnRef idx="2">
+            <a:schemeClr val="accent1">
+              <a:shade val="50000"/>
+            </a:schemeClr>
+          </a:lnRef>
+          <a:fillRef idx="1">
+            <a:schemeClr val="accent1"/>
+          </a:fillRef>
+          <a:effectRef idx="0">
+            <a:schemeClr val="accent1"/>
+          </a:effectRef>
+          <a:fontRef idx="minor">
+            <a:schemeClr val="lt1"/>
+          </a:fontRef>
+        </p:style>
+        <p:txBody>
+          <a:bodyPr rtlCol="0" anchor="ctr"/>
+          <a:lstStyle/>
+          <a:p>
+            <a:pPr algn="r"/>
+            <a:endParaRPr lang="es-ES" dirty="0"/>
+          </a:p>
+        </p:txBody>
+      </p:sp>
+      <p:sp>
+        <p:nvSpPr>
+          <p:cNvPr id="5" name="CuadroTexto 4">
+            <a:extLst>
+              <a:ext uri="{FF2B5EF4-FFF2-40B4-BE49-F238E27FC236}">
+                <a16:creationId xmlns:a16="http://schemas.microsoft.com/office/drawing/2014/main" id="{2FD203FA-DEA3-44D3-952E-10CD0DAE2155}"/>
+              </a:ext>
+            </a:extLst>
+          </p:cNvPr>
+          <p:cNvSpPr txBox="1"/>
+          <p:nvPr/>
+        </p:nvSpPr>
+        <p:spPr>
+          <a:xfrm>
+            <a:off x="871237" y="1397000"/>
+            <a:ext cx="476412" cy="369332"/>
+          </a:xfrm>
+          <a:prstGeom prst="rect">
+            <a:avLst/>
+          </a:prstGeom>
+          <a:noFill/>
+        </p:spPr>
+        <p:txBody>
+          <a:bodyPr wrap="none" rtlCol="0">
+            <a:spAutoFit/>
+          </a:bodyPr>
+          <a:lstStyle/>
+          <a:p>
+            <a:r>
+              <a:rPr lang="es-EC" dirty="0">
+                <a:solidFill>
+                  <a:srgbClr val="6AA6CE"/>
+                </a:solidFill>
+                <a:latin typeface="Roboto Slab ExtraBold" pitchFamily="2" charset="0"/>
+                <a:ea typeface="Roboto Slab ExtraBold" pitchFamily="2" charset="0"/>
+              </a:rPr>
+              <a:t>3.1</a:t>
+            </a:r>
+            <a:endParaRPr lang="es-ES" dirty="0">
+              <a:solidFill>
+                <a:srgbClr val="6AA6CE"/>
+              </a:solidFill>
+              <a:latin typeface="Roboto Slab ExtraBold" pitchFamily="2" charset="0"/>
+              <a:ea typeface="Roboto Slab ExtraBold" pitchFamily="2" charset="0"/>
+            </a:endParaRPr>
+          </a:p>
+        </p:txBody>
+      </p:sp>
+      <p:sp>
+        <p:nvSpPr>
+          <p:cNvPr id="2" name="Rectángulo: esquinas redondeadas 1">
+            <a:extLst>
+              <a:ext uri="{FF2B5EF4-FFF2-40B4-BE49-F238E27FC236}">
+                <a16:creationId xmlns:a16="http://schemas.microsoft.com/office/drawing/2014/main" id="{BBCEDA03-B748-4FD7-9F37-6DA3B7B49CD3}"/>
+              </a:ext>
+            </a:extLst>
+          </p:cNvPr>
+          <p:cNvSpPr/>
+          <p:nvPr/>
+        </p:nvSpPr>
+        <p:spPr>
+          <a:xfrm>
+            <a:off x="247475" y="1942051"/>
+            <a:ext cx="1765883" cy="247476"/>
+          </a:xfrm>
+          <a:prstGeom prst="roundRect">
+            <a:avLst/>
+          </a:prstGeom>
+          <a:solidFill>
+            <a:srgbClr val="FFFFFF"/>
+          </a:solidFill>
+          <a:ln>
+            <a:solidFill>
+              <a:srgbClr val="EFEFEF"/>
+            </a:solidFill>
+          </a:ln>
+        </p:spPr>
+        <p:style>
+          <a:lnRef idx="2">
+            <a:schemeClr val="accent1">
+              <a:shade val="50000"/>
+            </a:schemeClr>
+          </a:lnRef>
+          <a:fillRef idx="1">
+            <a:schemeClr val="accent1"/>
+          </a:fillRef>
+          <a:effectRef idx="0">
+            <a:schemeClr val="accent1"/>
+          </a:effectRef>
+          <a:fontRef idx="minor">
+            <a:schemeClr val="lt1"/>
+          </a:fontRef>
+        </p:style>
+        <p:txBody>
+          <a:bodyPr rtlCol="0" anchor="ctr"/>
+          <a:lstStyle/>
+          <a:p>
+            <a:r>
+              <a:rPr lang="es-EC" sz="1200" dirty="0">
+                <a:solidFill>
+                  <a:srgbClr val="959595"/>
+                </a:solidFill>
+              </a:rPr>
+              <a:t>Buscar en el Canal</a:t>
+            </a:r>
+            <a:endParaRPr lang="es-ES" sz="1200" dirty="0">
+              <a:solidFill>
+                <a:srgbClr val="959595"/>
+              </a:solidFill>
+            </a:endParaRPr>
+          </a:p>
+        </p:txBody>
+      </p:sp>
+      <p:sp>
+        <p:nvSpPr>
+          <p:cNvPr id="7" name="CuadroTexto 6">
+            <a:extLst>
+              <a:ext uri="{FF2B5EF4-FFF2-40B4-BE49-F238E27FC236}">
+                <a16:creationId xmlns:a16="http://schemas.microsoft.com/office/drawing/2014/main" id="{E33EDE5B-8D32-4FFB-8203-B974897185D2}"/>
+              </a:ext>
+            </a:extLst>
+          </p:cNvPr>
+          <p:cNvSpPr txBox="1"/>
+          <p:nvPr/>
+        </p:nvSpPr>
+        <p:spPr>
+          <a:xfrm>
+            <a:off x="121030" y="2499678"/>
+            <a:ext cx="1681992" cy="276999"/>
+          </a:xfrm>
+          <a:prstGeom prst="rect">
+            <a:avLst/>
+          </a:prstGeom>
+          <a:noFill/>
+        </p:spPr>
+        <p:txBody>
+          <a:bodyPr wrap="square" rtlCol="0">
+            <a:spAutoFit/>
+          </a:bodyPr>
+          <a:lstStyle/>
+          <a:p>
+            <a:pPr algn="ctr"/>
+            <a:r>
+              <a:rPr lang="es-EC" sz="1200" dirty="0">
+                <a:solidFill>
+                  <a:srgbClr val="3A7CA8"/>
+                </a:solidFill>
+                <a:latin typeface="Roboto Slab ExtraBold" pitchFamily="2" charset="0"/>
+                <a:ea typeface="Roboto Slab ExtraBold" pitchFamily="2" charset="0"/>
+              </a:rPr>
+              <a:t>CÓMO AGRADECER</a:t>
+            </a:r>
+            <a:endParaRPr lang="es-ES" sz="2000" dirty="0">
+              <a:solidFill>
+                <a:srgbClr val="3A7CA8"/>
+              </a:solidFill>
+              <a:latin typeface="Roboto Slab ExtraBold" pitchFamily="2" charset="0"/>
+              <a:ea typeface="Roboto Slab ExtraBold" pitchFamily="2" charset="0"/>
+            </a:endParaRPr>
+          </a:p>
+        </p:txBody>
+      </p:sp>
+      <p:grpSp>
+        <p:nvGrpSpPr>
+          <p:cNvPr id="13" name="Grupo 12">
+            <a:extLst>
+              <a:ext uri="{FF2B5EF4-FFF2-40B4-BE49-F238E27FC236}">
+                <a16:creationId xmlns:a16="http://schemas.microsoft.com/office/drawing/2014/main" id="{C7691B0C-4F22-403C-AEA0-015A96CF8479}"/>
+              </a:ext>
+            </a:extLst>
+          </p:cNvPr>
+          <p:cNvGrpSpPr/>
+          <p:nvPr/>
+        </p:nvGrpSpPr>
+        <p:grpSpPr>
+          <a:xfrm>
+            <a:off x="250453" y="2763384"/>
+            <a:ext cx="1783881" cy="824970"/>
+            <a:chOff x="401451" y="2763384"/>
+            <a:chExt cx="1783881" cy="824970"/>
+          </a:xfrm>
+        </p:grpSpPr>
+        <p:sp>
+          <p:nvSpPr>
+            <p:cNvPr id="8" name="CuadroTexto 7">
+              <a:extLst>
+                <a:ext uri="{FF2B5EF4-FFF2-40B4-BE49-F238E27FC236}">
+                  <a16:creationId xmlns:a16="http://schemas.microsoft.com/office/drawing/2014/main" id="{C1F8EB57-33C4-4033-AA8D-FC10A25F42B2}"/>
+                </a:ext>
+              </a:extLst>
+            </p:cNvPr>
+            <p:cNvSpPr txBox="1"/>
+            <p:nvPr/>
+          </p:nvSpPr>
+          <p:spPr>
+            <a:xfrm>
+              <a:off x="401452" y="2763384"/>
+              <a:ext cx="1783880" cy="261610"/>
+            </a:xfrm>
+            <a:prstGeom prst="rect">
+              <a:avLst/>
+            </a:prstGeom>
+            <a:noFill/>
+          </p:spPr>
+          <p:txBody>
+            <a:bodyPr wrap="square" rtlCol="0">
+              <a:spAutoFit/>
+            </a:bodyPr>
+            <a:lstStyle/>
+            <a:p>
+              <a:r>
+                <a:rPr lang="es-EC" sz="1100" dirty="0">
+                  <a:solidFill>
+                    <a:srgbClr val="D9D9D9"/>
+                  </a:solidFill>
+                  <a:latin typeface="Roboto Slab" pitchFamily="2" charset="0"/>
+                  <a:ea typeface="Roboto Slab" pitchFamily="2" charset="0"/>
+                </a:rPr>
+                <a:t>+ </a:t>
+              </a:r>
+              <a:r>
+                <a:rPr lang="es-EC" sz="1100" b="1" dirty="0">
+                  <a:solidFill>
+                    <a:srgbClr val="FFFFFF"/>
+                  </a:solidFill>
+                  <a:latin typeface="Roboto Slab" pitchFamily="2" charset="0"/>
+                  <a:ea typeface="Roboto Slab" pitchFamily="2" charset="0"/>
+                </a:rPr>
+                <a:t>SUSCRIBETE</a:t>
+              </a:r>
+              <a:r>
+                <a:rPr lang="es-EC" sz="1100" dirty="0">
+                  <a:solidFill>
+                    <a:srgbClr val="D9D9D9"/>
+                  </a:solidFill>
+                  <a:latin typeface="Roboto Slab" pitchFamily="2" charset="0"/>
+                  <a:ea typeface="Roboto Slab" pitchFamily="2" charset="0"/>
+                </a:rPr>
+                <a:t> al Canal</a:t>
+              </a:r>
+              <a:endParaRPr lang="es-ES" dirty="0">
+                <a:solidFill>
+                  <a:srgbClr val="D9D9D9"/>
+                </a:solidFill>
+                <a:latin typeface="Roboto Slab" pitchFamily="2" charset="0"/>
+                <a:ea typeface="Roboto Slab" pitchFamily="2" charset="0"/>
+              </a:endParaRPr>
+            </a:p>
+          </p:txBody>
+        </p:sp>
+        <p:sp>
+          <p:nvSpPr>
+            <p:cNvPr id="9" name="CuadroTexto 8">
+              <a:extLst>
+                <a:ext uri="{FF2B5EF4-FFF2-40B4-BE49-F238E27FC236}">
+                  <a16:creationId xmlns:a16="http://schemas.microsoft.com/office/drawing/2014/main" id="{43FFCE67-7EBE-418A-9898-466614E67378}"/>
+                </a:ext>
+              </a:extLst>
+            </p:cNvPr>
+            <p:cNvSpPr txBox="1"/>
+            <p:nvPr/>
+          </p:nvSpPr>
+          <p:spPr>
+            <a:xfrm>
+              <a:off x="401451" y="2952813"/>
+              <a:ext cx="1783879" cy="261610"/>
+            </a:xfrm>
+            <a:prstGeom prst="rect">
+              <a:avLst/>
+            </a:prstGeom>
+            <a:noFill/>
+          </p:spPr>
+          <p:txBody>
+            <a:bodyPr wrap="square" rtlCol="0">
+              <a:spAutoFit/>
+            </a:bodyPr>
+            <a:lstStyle/>
+            <a:p>
+              <a:r>
+                <a:rPr lang="es-EC" sz="1100" dirty="0">
+                  <a:solidFill>
+                    <a:srgbClr val="D9D9D9"/>
+                  </a:solidFill>
+                  <a:latin typeface="Roboto Slab" pitchFamily="2" charset="0"/>
+                  <a:ea typeface="Roboto Slab" pitchFamily="2" charset="0"/>
+                </a:rPr>
+                <a:t>+ Dale Like a este Video</a:t>
+              </a:r>
+              <a:endParaRPr lang="es-ES" dirty="0">
+                <a:solidFill>
+                  <a:srgbClr val="D9D9D9"/>
+                </a:solidFill>
+                <a:latin typeface="Roboto Slab" pitchFamily="2" charset="0"/>
+                <a:ea typeface="Roboto Slab" pitchFamily="2" charset="0"/>
+              </a:endParaRPr>
+            </a:p>
+          </p:txBody>
+        </p:sp>
+        <p:sp>
+          <p:nvSpPr>
+            <p:cNvPr id="10" name="CuadroTexto 9">
+              <a:extLst>
+                <a:ext uri="{FF2B5EF4-FFF2-40B4-BE49-F238E27FC236}">
+                  <a16:creationId xmlns:a16="http://schemas.microsoft.com/office/drawing/2014/main" id="{DACBB831-D306-4834-AB3C-1EB9FA485614}"/>
+                </a:ext>
+              </a:extLst>
+            </p:cNvPr>
+            <p:cNvSpPr txBox="1"/>
+            <p:nvPr/>
+          </p:nvSpPr>
+          <p:spPr>
+            <a:xfrm>
+              <a:off x="401451" y="3133827"/>
+              <a:ext cx="1121151" cy="261610"/>
+            </a:xfrm>
+            <a:prstGeom prst="rect">
+              <a:avLst/>
+            </a:prstGeom>
+            <a:noFill/>
+          </p:spPr>
+          <p:txBody>
+            <a:bodyPr wrap="square" rtlCol="0">
+              <a:spAutoFit/>
+            </a:bodyPr>
+            <a:lstStyle/>
+            <a:p>
+              <a:r>
+                <a:rPr lang="es-EC" sz="1100" dirty="0">
+                  <a:solidFill>
+                    <a:srgbClr val="D9D9D9"/>
+                  </a:solidFill>
+                  <a:latin typeface="Roboto Slab" pitchFamily="2" charset="0"/>
+                  <a:ea typeface="Roboto Slab" pitchFamily="2" charset="0"/>
+                </a:rPr>
+                <a:t>+ Compártelo </a:t>
+              </a:r>
+              <a:endParaRPr lang="es-ES" dirty="0">
+                <a:solidFill>
+                  <a:srgbClr val="D9D9D9"/>
+                </a:solidFill>
+                <a:latin typeface="Roboto Slab" pitchFamily="2" charset="0"/>
+                <a:ea typeface="Roboto Slab" pitchFamily="2" charset="0"/>
+              </a:endParaRPr>
+            </a:p>
+          </p:txBody>
+        </p:sp>
+        <p:sp>
+          <p:nvSpPr>
+            <p:cNvPr id="11" name="CuadroTexto 10">
+              <a:extLst>
+                <a:ext uri="{FF2B5EF4-FFF2-40B4-BE49-F238E27FC236}">
+                  <a16:creationId xmlns:a16="http://schemas.microsoft.com/office/drawing/2014/main" id="{B18B7368-A5C3-4EBC-99E8-D78382DAEB6A}"/>
+                </a:ext>
+              </a:extLst>
+            </p:cNvPr>
+            <p:cNvSpPr txBox="1"/>
+            <p:nvPr/>
+          </p:nvSpPr>
+          <p:spPr>
+            <a:xfrm>
+              <a:off x="401451" y="3326744"/>
+              <a:ext cx="1611907" cy="261610"/>
+            </a:xfrm>
+            <a:prstGeom prst="rect">
+              <a:avLst/>
+            </a:prstGeom>
+            <a:noFill/>
+          </p:spPr>
+          <p:txBody>
+            <a:bodyPr wrap="square" rtlCol="0">
+              <a:spAutoFit/>
+            </a:bodyPr>
+            <a:lstStyle/>
+            <a:p>
+              <a:r>
+                <a:rPr lang="es-EC" sz="1100" dirty="0">
+                  <a:solidFill>
+                    <a:srgbClr val="D9D9D9"/>
+                  </a:solidFill>
+                  <a:latin typeface="Roboto Slab" pitchFamily="2" charset="0"/>
+                  <a:ea typeface="Roboto Slab" pitchFamily="2" charset="0"/>
+                </a:rPr>
+                <a:t>+ Deja un Comentario </a:t>
+              </a:r>
+              <a:endParaRPr lang="es-ES" dirty="0">
+                <a:solidFill>
+                  <a:srgbClr val="D9D9D9"/>
+                </a:solidFill>
+                <a:latin typeface="Roboto Slab" pitchFamily="2" charset="0"/>
+                <a:ea typeface="Roboto Slab" pitchFamily="2" charset="0"/>
+              </a:endParaRPr>
+            </a:p>
+          </p:txBody>
+        </p:sp>
+      </p:grpSp>
       <p:cxnSp>
         <p:nvCxnSpPr>
           <p:cNvPr id="12" name="Conector recto 11">
@@ -4632,7 +6162,7 @@
     </p:spTree>
     <p:extLst>
       <p:ext uri="{BB962C8B-B14F-4D97-AF65-F5344CB8AC3E}">
-        <p14:creationId xmlns:p14="http://schemas.microsoft.com/office/powerpoint/2010/main" val="3137557153"/>
+        <p14:creationId xmlns:p14="http://schemas.microsoft.com/office/powerpoint/2010/main" val="4193011378"/>
       </p:ext>
     </p:extLst>
   </p:cSld>
@@ -4642,7 +6172,7 @@
 </p:sld>
 </file>
 
-<file path=ppt/slides/slide2.xml><?xml version="1.0" encoding="utf-8"?>
+<file path=ppt/slides/slide3.xml><?xml version="1.0" encoding="utf-8"?>
 <p:sld xmlns:a="http://schemas.openxmlformats.org/drawingml/2006/main" xmlns:r="http://schemas.openxmlformats.org/officeDocument/2006/relationships" xmlns:p="http://schemas.openxmlformats.org/presentationml/2006/main">
   <p:cSld>
     <p:bg>
@@ -5957,7 +7487,7 @@
 </p:sld>
 </file>
 
-<file path=ppt/slides/slide3.xml><?xml version="1.0" encoding="utf-8"?>
+<file path=ppt/slides/slide4.xml><?xml version="1.0" encoding="utf-8"?>
 <p:sld xmlns:a="http://schemas.openxmlformats.org/drawingml/2006/main" xmlns:r="http://schemas.openxmlformats.org/officeDocument/2006/relationships" xmlns:p="http://schemas.openxmlformats.org/presentationml/2006/main">
   <p:cSld>
     <p:bg>
@@ -7271,7 +8801,7 @@
 </p:sld>
 </file>
 
-<file path=ppt/slides/slide4.xml><?xml version="1.0" encoding="utf-8"?>
+<file path=ppt/slides/slide5.xml><?xml version="1.0" encoding="utf-8"?>
 <p:sld xmlns:a="http://schemas.openxmlformats.org/drawingml/2006/main" xmlns:r="http://schemas.openxmlformats.org/officeDocument/2006/relationships" xmlns:p="http://schemas.openxmlformats.org/presentationml/2006/main">
   <p:cSld>
     <p:bg>
@@ -8355,7 +9885,7 @@
         <p:spPr>
           <a:xfrm>
             <a:off x="2507608" y="3088217"/>
-            <a:ext cx="9118202" cy="369332"/>
+            <a:ext cx="9336210" cy="369332"/>
           </a:xfrm>
           <a:prstGeom prst="rect">
             <a:avLst/>
@@ -8373,8 +9903,8 @@
                 <a:solidFill>
                   <a:srgbClr val="404040"/>
                 </a:solidFill>
-                <a:latin typeface="Roboto Slab Medium" pitchFamily="2" charset="0"/>
-                <a:ea typeface="Roboto Slab Medium" pitchFamily="2" charset="0"/>
+                <a:latin typeface="Roboto Slab Black" pitchFamily="2" charset="0"/>
+                <a:ea typeface="Roboto Slab Black" pitchFamily="2" charset="0"/>
               </a:rPr>
               <a:t>Godot ofrece tres tipos de cuerpos físicos agrupados bajo el objeto PhysicsBody2D:</a:t>
             </a:r>
@@ -8521,7 +10051,7 @@
 </p:sld>
 </file>
 
-<file path=ppt/slides/slide5.xml><?xml version="1.0" encoding="utf-8"?>
+<file path=ppt/slides/slide6.xml><?xml version="1.0" encoding="utf-8"?>
 <p:sld xmlns:a="http://schemas.openxmlformats.org/drawingml/2006/main" xmlns:r="http://schemas.openxmlformats.org/officeDocument/2006/relationships" xmlns:p="http://schemas.openxmlformats.org/presentationml/2006/main">
   <p:cSld>
     <p:bg>
@@ -9618,7 +11148,7 @@
         <p:spPr>
           <a:xfrm>
             <a:off x="2491713" y="2902994"/>
-            <a:ext cx="5767926" cy="461665"/>
+            <a:ext cx="5865708" cy="461665"/>
           </a:xfrm>
           <a:prstGeom prst="rect">
             <a:avLst/>
@@ -9636,8 +11166,8 @@
                 <a:solidFill>
                   <a:srgbClr val="404040"/>
                 </a:solidFill>
-                <a:latin typeface="Roboto Slab Medium" pitchFamily="2" charset="0"/>
-                <a:ea typeface="Roboto Slab Medium" pitchFamily="2" charset="0"/>
+                <a:latin typeface="Roboto Slab Black" pitchFamily="2" charset="0"/>
+                <a:ea typeface="Roboto Slab Black" pitchFamily="2" charset="0"/>
               </a:rPr>
               <a:t>Ejemplos de uso para un StaticBody2D</a:t>
             </a:r>
@@ -9645,8 +11175,8 @@
               <a:solidFill>
                 <a:srgbClr val="404040"/>
               </a:solidFill>
-              <a:latin typeface="Roboto Slab Medium" pitchFamily="2" charset="0"/>
-              <a:ea typeface="Roboto Slab Medium" pitchFamily="2" charset="0"/>
+              <a:latin typeface="Roboto Slab Black" pitchFamily="2" charset="0"/>
+              <a:ea typeface="Roboto Slab Black" pitchFamily="2" charset="0"/>
             </a:endParaRPr>
           </a:p>
         </p:txBody>
@@ -10172,7 +11702,7 @@
 </p:sld>
 </file>
 
-<file path=ppt/slides/slide6.xml><?xml version="1.0" encoding="utf-8"?>
+<file path=ppt/slides/slide7.xml><?xml version="1.0" encoding="utf-8"?>
 <p:sld xmlns:a="http://schemas.openxmlformats.org/drawingml/2006/main" xmlns:r="http://schemas.openxmlformats.org/officeDocument/2006/relationships" xmlns:p="http://schemas.openxmlformats.org/presentationml/2006/main">
   <p:cSld>
     <p:bg>
@@ -11267,7 +12797,7 @@
         <p:spPr>
           <a:xfrm>
             <a:off x="2491713" y="2902994"/>
-            <a:ext cx="5698996" cy="461665"/>
+            <a:ext cx="5795176" cy="461665"/>
           </a:xfrm>
           <a:prstGeom prst="rect">
             <a:avLst/>
@@ -11285,8 +12815,8 @@
                 <a:solidFill>
                   <a:srgbClr val="404040"/>
                 </a:solidFill>
-                <a:latin typeface="Roboto Slab Medium" pitchFamily="2" charset="0"/>
-                <a:ea typeface="Roboto Slab Medium" pitchFamily="2" charset="0"/>
+                <a:latin typeface="Roboto Slab Black" pitchFamily="2" charset="0"/>
+                <a:ea typeface="Roboto Slab Black" pitchFamily="2" charset="0"/>
               </a:rPr>
               <a:t>Ejemplos de uso para un RigidBody2D</a:t>
             </a:r>
@@ -11294,8 +12824,8 @@
               <a:solidFill>
                 <a:srgbClr val="404040"/>
               </a:solidFill>
-              <a:latin typeface="Roboto Slab Medium" pitchFamily="2" charset="0"/>
-              <a:ea typeface="Roboto Slab Medium" pitchFamily="2" charset="0"/>
+              <a:latin typeface="Roboto Slab Black" pitchFamily="2" charset="0"/>
+              <a:ea typeface="Roboto Slab Black" pitchFamily="2" charset="0"/>
             </a:endParaRPr>
           </a:p>
         </p:txBody>
@@ -11576,7 +13106,7 @@
 </p:sld>
 </file>
 
-<file path=ppt/slides/slide7.xml><?xml version="1.0" encoding="utf-8"?>
+<file path=ppt/slides/slide8.xml><?xml version="1.0" encoding="utf-8"?>
 <p:sld xmlns:a="http://schemas.openxmlformats.org/drawingml/2006/main" xmlns:r="http://schemas.openxmlformats.org/officeDocument/2006/relationships" xmlns:p="http://schemas.openxmlformats.org/presentationml/2006/main">
   <p:cSld>
     <p:bg>
@@ -12655,7 +14185,7 @@
         <p:spPr>
           <a:xfrm>
             <a:off x="2491713" y="2902994"/>
-            <a:ext cx="6452407" cy="461665"/>
+            <a:ext cx="6538970" cy="461665"/>
           </a:xfrm>
           <a:prstGeom prst="rect">
             <a:avLst/>
@@ -12673,8 +14203,8 @@
                 <a:solidFill>
                   <a:srgbClr val="404040"/>
                 </a:solidFill>
-                <a:latin typeface="Roboto Slab Medium" pitchFamily="2" charset="0"/>
-                <a:ea typeface="Roboto Slab Medium" pitchFamily="2" charset="0"/>
+                <a:latin typeface="Roboto Slab Black" pitchFamily="2" charset="0"/>
+                <a:ea typeface="Roboto Slab Black" pitchFamily="2" charset="0"/>
               </a:rPr>
               <a:t>Ejemplos de uso para un KinematicBody2D</a:t>
             </a:r>
@@ -12682,8 +14212,8 @@
               <a:solidFill>
                 <a:srgbClr val="404040"/>
               </a:solidFill>
-              <a:latin typeface="Roboto Slab Medium" pitchFamily="2" charset="0"/>
-              <a:ea typeface="Roboto Slab Medium" pitchFamily="2" charset="0"/>
+              <a:latin typeface="Roboto Slab Black" pitchFamily="2" charset="0"/>
+              <a:ea typeface="Roboto Slab Black" pitchFamily="2" charset="0"/>
             </a:endParaRPr>
           </a:p>
         </p:txBody>
@@ -13034,9 +14564,17 @@
 </p:sld>
 </file>
 
-<file path=ppt/slides/slide8.xml><?xml version="1.0" encoding="utf-8"?>
-<p:sld xmlns:a="http://schemas.openxmlformats.org/drawingml/2006/main" xmlns:r="http://schemas.openxmlformats.org/officeDocument/2006/relationships" xmlns:p="http://schemas.openxmlformats.org/presentationml/2006/main" show="0">
+<file path=ppt/slides/slide9.xml><?xml version="1.0" encoding="utf-8"?>
+<p:sld xmlns:a="http://schemas.openxmlformats.org/drawingml/2006/main" xmlns:r="http://schemas.openxmlformats.org/officeDocument/2006/relationships" xmlns:p="http://schemas.openxmlformats.org/presentationml/2006/main">
   <p:cSld>
+    <p:bg>
+      <p:bgPr>
+        <a:solidFill>
+          <a:srgbClr val="FCFCFC"/>
+        </a:solidFill>
+        <a:effectLst/>
+      </p:bgPr>
+    </p:bg>
     <p:spTree>
       <p:nvGrpSpPr>
         <p:cNvPr id="1" name=""/>
@@ -13053,10 +14591,10 @@
       </p:grpSpPr>
       <p:sp>
         <p:nvSpPr>
-          <p:cNvPr id="10" name="Rectángulo 9">
-            <a:extLst>
-              <a:ext uri="{FF2B5EF4-FFF2-40B4-BE49-F238E27FC236}">
-                <a16:creationId xmlns:a16="http://schemas.microsoft.com/office/drawing/2014/main" id="{E82A08A0-53CB-4E6D-9CC5-DD78AC782562}"/>
+          <p:cNvPr id="4" name="Rectángulo 3">
+            <a:extLst>
+              <a:ext uri="{FF2B5EF4-FFF2-40B4-BE49-F238E27FC236}">
+                <a16:creationId xmlns:a16="http://schemas.microsoft.com/office/drawing/2014/main" id="{42D5D111-669F-4D14-8A82-F487C3E3F0C1}"/>
               </a:ext>
             </a:extLst>
           </p:cNvPr>
@@ -13065,18 +14603,18 @@
         </p:nvSpPr>
         <p:spPr>
           <a:xfrm>
-            <a:off x="1204780" y="2420640"/>
-            <a:ext cx="9303390" cy="800561"/>
+            <a:off x="0" y="0"/>
+            <a:ext cx="2218888" cy="2420224"/>
           </a:xfrm>
           <a:prstGeom prst="rect">
             <a:avLst/>
           </a:prstGeom>
           <a:solidFill>
-            <a:srgbClr val="EEFFCC"/>
+            <a:srgbClr val="2980B9"/>
           </a:solidFill>
           <a:ln>
             <a:solidFill>
-              <a:srgbClr val="E1E4E5"/>
+              <a:srgbClr val="3380B9"/>
             </a:solidFill>
           </a:ln>
         </p:spPr>
@@ -13105,12 +14643,113 @@
           </a:p>
         </p:txBody>
       </p:sp>
+      <p:pic>
+        <p:nvPicPr>
+          <p:cNvPr id="1026" name="Picture 2" descr="Logo">
+            <a:extLst>
+              <a:ext uri="{FF2B5EF4-FFF2-40B4-BE49-F238E27FC236}">
+                <a16:creationId xmlns:a16="http://schemas.microsoft.com/office/drawing/2014/main" id="{2B16BEB5-34F4-4F9E-A7EA-D0184C8FA148}"/>
+              </a:ext>
+            </a:extLst>
+          </p:cNvPr>
+          <p:cNvPicPr>
+            <a:picLocks noChangeAspect="1" noChangeArrowheads="1"/>
+          </p:cNvPicPr>
+          <p:nvPr/>
+        </p:nvPicPr>
+        <p:blipFill>
+          <a:blip r:embed="rId2">
+            <a:extLst>
+              <a:ext uri="{28A0092B-C50C-407E-A947-70E740481C1C}">
+                <a14:useLocalDpi xmlns:a14="http://schemas.microsoft.com/office/drawing/2010/main" val="0"/>
+              </a:ext>
+            </a:extLst>
+          </a:blip>
+          <a:srcRect/>
+          <a:stretch>
+            <a:fillRect/>
+          </a:stretch>
+        </p:blipFill>
+        <p:spPr bwMode="auto">
+          <a:xfrm>
+            <a:off x="469248" y="35059"/>
+            <a:ext cx="1280391" cy="1280391"/>
+          </a:xfrm>
+          <a:prstGeom prst="rect">
+            <a:avLst/>
+          </a:prstGeom>
+          <a:noFill/>
+          <a:extLst>
+            <a:ext uri="{909E8E84-426E-40DD-AFC4-6F175D3DCCD1}">
+              <a14:hiddenFill xmlns:a14="http://schemas.microsoft.com/office/drawing/2010/main">
+                <a:solidFill>
+                  <a:srgbClr val="FFFFFF"/>
+                </a:solidFill>
+              </a14:hiddenFill>
+            </a:ext>
+          </a:extLst>
+        </p:spPr>
+      </p:pic>
       <p:sp>
         <p:nvSpPr>
-          <p:cNvPr id="11" name="CuadroTexto 10">
-            <a:extLst>
-              <a:ext uri="{FF2B5EF4-FFF2-40B4-BE49-F238E27FC236}">
-                <a16:creationId xmlns:a16="http://schemas.microsoft.com/office/drawing/2014/main" id="{80C980FC-05A0-4640-B5F6-1B12130FFAED}"/>
+          <p:cNvPr id="6" name="Rectángulo 5">
+            <a:extLst>
+              <a:ext uri="{FF2B5EF4-FFF2-40B4-BE49-F238E27FC236}">
+                <a16:creationId xmlns:a16="http://schemas.microsoft.com/office/drawing/2014/main" id="{891482C0-D1FC-4853-BE4F-B6B065F34CDF}"/>
+              </a:ext>
+            </a:extLst>
+          </p:cNvPr>
+          <p:cNvSpPr/>
+          <p:nvPr/>
+        </p:nvSpPr>
+        <p:spPr>
+          <a:xfrm>
+            <a:off x="-1" y="2420223"/>
+            <a:ext cx="2218888" cy="4402717"/>
+          </a:xfrm>
+          <a:prstGeom prst="rect">
+            <a:avLst/>
+          </a:prstGeom>
+          <a:solidFill>
+            <a:srgbClr val="343131"/>
+          </a:solidFill>
+          <a:ln>
+            <a:solidFill>
+              <a:srgbClr val="343131"/>
+            </a:solidFill>
+          </a:ln>
+        </p:spPr>
+        <p:style>
+          <a:lnRef idx="2">
+            <a:schemeClr val="accent1">
+              <a:shade val="50000"/>
+            </a:schemeClr>
+          </a:lnRef>
+          <a:fillRef idx="1">
+            <a:schemeClr val="accent1"/>
+          </a:fillRef>
+          <a:effectRef idx="0">
+            <a:schemeClr val="accent1"/>
+          </a:effectRef>
+          <a:fontRef idx="minor">
+            <a:schemeClr val="lt1"/>
+          </a:fontRef>
+        </p:style>
+        <p:txBody>
+          <a:bodyPr rtlCol="0" anchor="ctr"/>
+          <a:lstStyle/>
+          <a:p>
+            <a:pPr algn="r"/>
+            <a:endParaRPr lang="es-ES" dirty="0"/>
+          </a:p>
+        </p:txBody>
+      </p:sp>
+      <p:sp>
+        <p:nvSpPr>
+          <p:cNvPr id="5" name="CuadroTexto 4">
+            <a:extLst>
+              <a:ext uri="{FF2B5EF4-FFF2-40B4-BE49-F238E27FC236}">
+                <a16:creationId xmlns:a16="http://schemas.microsoft.com/office/drawing/2014/main" id="{2FD203FA-DEA3-44D3-952E-10CD0DAE2155}"/>
               </a:ext>
             </a:extLst>
           </p:cNvPr>
@@ -13119,8 +14758,121 @@
         </p:nvSpPr>
         <p:spPr>
           <a:xfrm>
-            <a:off x="1242126" y="2433261"/>
-            <a:ext cx="456323" cy="276999"/>
+            <a:off x="871237" y="1397000"/>
+            <a:ext cx="476412" cy="369332"/>
+          </a:xfrm>
+          <a:prstGeom prst="rect">
+            <a:avLst/>
+          </a:prstGeom>
+          <a:noFill/>
+        </p:spPr>
+        <p:txBody>
+          <a:bodyPr wrap="none" rtlCol="0">
+            <a:spAutoFit/>
+          </a:bodyPr>
+          <a:lstStyle/>
+          <a:p>
+            <a:r>
+              <a:rPr lang="es-EC" dirty="0">
+                <a:solidFill>
+                  <a:srgbClr val="6AA6CE"/>
+                </a:solidFill>
+                <a:latin typeface="Roboto Slab ExtraBold" pitchFamily="2" charset="0"/>
+                <a:ea typeface="Roboto Slab ExtraBold" pitchFamily="2" charset="0"/>
+              </a:rPr>
+              <a:t>3.1</a:t>
+            </a:r>
+            <a:endParaRPr lang="es-ES" dirty="0">
+              <a:solidFill>
+                <a:srgbClr val="6AA6CE"/>
+              </a:solidFill>
+              <a:latin typeface="Roboto Slab ExtraBold" pitchFamily="2" charset="0"/>
+              <a:ea typeface="Roboto Slab ExtraBold" pitchFamily="2" charset="0"/>
+            </a:endParaRPr>
+          </a:p>
+        </p:txBody>
+      </p:sp>
+      <p:sp>
+        <p:nvSpPr>
+          <p:cNvPr id="2" name="Rectángulo: esquinas redondeadas 1">
+            <a:extLst>
+              <a:ext uri="{FF2B5EF4-FFF2-40B4-BE49-F238E27FC236}">
+                <a16:creationId xmlns:a16="http://schemas.microsoft.com/office/drawing/2014/main" id="{BBCEDA03-B748-4FD7-9F37-6DA3B7B49CD3}"/>
+              </a:ext>
+            </a:extLst>
+          </p:cNvPr>
+          <p:cNvSpPr/>
+          <p:nvPr/>
+        </p:nvSpPr>
+        <p:spPr>
+          <a:xfrm>
+            <a:off x="247475" y="1942051"/>
+            <a:ext cx="1765883" cy="247476"/>
+          </a:xfrm>
+          <a:prstGeom prst="roundRect">
+            <a:avLst/>
+          </a:prstGeom>
+          <a:solidFill>
+            <a:srgbClr val="FFFFFF"/>
+          </a:solidFill>
+          <a:ln>
+            <a:solidFill>
+              <a:srgbClr val="EFEFEF"/>
+            </a:solidFill>
+          </a:ln>
+        </p:spPr>
+        <p:style>
+          <a:lnRef idx="2">
+            <a:schemeClr val="accent1">
+              <a:shade val="50000"/>
+            </a:schemeClr>
+          </a:lnRef>
+          <a:fillRef idx="1">
+            <a:schemeClr val="accent1"/>
+          </a:fillRef>
+          <a:effectRef idx="0">
+            <a:schemeClr val="accent1"/>
+          </a:effectRef>
+          <a:fontRef idx="minor">
+            <a:schemeClr val="lt1"/>
+          </a:fontRef>
+        </p:style>
+        <p:txBody>
+          <a:bodyPr rtlCol="0" anchor="ctr"/>
+          <a:lstStyle/>
+          <a:p>
+            <a:r>
+              <a:rPr lang="es-EC" sz="1200" dirty="0">
+                <a:solidFill>
+                  <a:srgbClr val="959595"/>
+                </a:solidFill>
+              </a:rPr>
+              <a:t>Buscar en el Canal</a:t>
+            </a:r>
+            <a:endParaRPr lang="es-ES" sz="1200" dirty="0">
+              <a:solidFill>
+                <a:srgbClr val="959595"/>
+              </a:solidFill>
+            </a:endParaRPr>
+          </a:p>
+        </p:txBody>
+      </p:sp>
+      <p:sp>
+        <p:nvSpPr>
+          <p:cNvPr id="7" name="CuadroTexto 6">
+            <a:extLst>
+              <a:ext uri="{FF2B5EF4-FFF2-40B4-BE49-F238E27FC236}">
+                <a16:creationId xmlns:a16="http://schemas.microsoft.com/office/drawing/2014/main" id="{E33EDE5B-8D32-4FFB-8203-B974897185D2}"/>
+              </a:ext>
+            </a:extLst>
+          </p:cNvPr>
+          <p:cNvSpPr txBox="1"/>
+          <p:nvPr/>
+        </p:nvSpPr>
+        <p:spPr>
+          <a:xfrm>
+            <a:off x="121030" y="2499678"/>
+            <a:ext cx="1681992" cy="276999"/>
           </a:xfrm>
           <a:prstGeom prst="rect">
             <a:avLst/>
@@ -13133,128 +14885,33 @@
           </a:bodyPr>
           <a:lstStyle/>
           <a:p>
+            <a:pPr algn="ctr"/>
             <a:r>
               <a:rPr lang="es-EC" sz="1200" dirty="0">
                 <a:solidFill>
-                  <a:srgbClr val="007020"/>
-                </a:solidFill>
-                <a:latin typeface="Roboto Slab Medium" pitchFamily="2" charset="0"/>
-                <a:ea typeface="Roboto Slab Medium" pitchFamily="2" charset="0"/>
+                  <a:srgbClr val="3A7CA8"/>
+                </a:solidFill>
+                <a:latin typeface="Roboto Slab ExtraBold" pitchFamily="2" charset="0"/>
+                <a:ea typeface="Roboto Slab ExtraBold" pitchFamily="2" charset="0"/>
               </a:rPr>
-              <a:t>for</a:t>
-            </a:r>
-            <a:endParaRPr lang="es-ES" dirty="0">
+              <a:t>CÓMO AGRADECER</a:t>
+            </a:r>
+            <a:endParaRPr lang="es-ES" sz="2000" dirty="0">
               <a:solidFill>
-                <a:srgbClr val="007020"/>
+                <a:srgbClr val="3A7CA8"/>
               </a:solidFill>
-              <a:latin typeface="Roboto Slab Medium" pitchFamily="2" charset="0"/>
-              <a:ea typeface="Roboto Slab Medium" pitchFamily="2" charset="0"/>
-            </a:endParaRPr>
-          </a:p>
-        </p:txBody>
-      </p:sp>
-      <p:sp>
-        <p:nvSpPr>
-          <p:cNvPr id="12" name="CuadroTexto 11">
-            <a:extLst>
-              <a:ext uri="{FF2B5EF4-FFF2-40B4-BE49-F238E27FC236}">
-                <a16:creationId xmlns:a16="http://schemas.microsoft.com/office/drawing/2014/main" id="{EC54E1BA-27E2-4757-A695-1F5925F74592}"/>
-              </a:ext>
-            </a:extLst>
-          </p:cNvPr>
-          <p:cNvSpPr txBox="1"/>
-          <p:nvPr/>
-        </p:nvSpPr>
-        <p:spPr>
-          <a:xfrm>
-            <a:off x="1581048" y="2438342"/>
-            <a:ext cx="798967" cy="276999"/>
-          </a:xfrm>
-          <a:prstGeom prst="rect">
-            <a:avLst/>
-          </a:prstGeom>
-          <a:noFill/>
-        </p:spPr>
-        <p:txBody>
-          <a:bodyPr wrap="square" rtlCol="0">
-            <a:spAutoFit/>
-          </a:bodyPr>
-          <a:lstStyle/>
-          <a:p>
-            <a:r>
-              <a:rPr lang="es-EC" sz="1200" dirty="0">
-                <a:solidFill>
-                  <a:srgbClr val="4070A0"/>
-                </a:solidFill>
-                <a:latin typeface="Roboto Slab Medium" pitchFamily="2" charset="0"/>
-                <a:ea typeface="Roboto Slab Medium" pitchFamily="2" charset="0"/>
-              </a:rPr>
-              <a:t>“Hello”</a:t>
-            </a:r>
-            <a:endParaRPr lang="es-ES" dirty="0">
-              <a:solidFill>
-                <a:srgbClr val="4070A0"/>
-              </a:solidFill>
-              <a:latin typeface="Roboto Slab Medium" pitchFamily="2" charset="0"/>
-              <a:ea typeface="Roboto Slab Medium" pitchFamily="2" charset="0"/>
-            </a:endParaRPr>
-          </a:p>
-        </p:txBody>
-      </p:sp>
-      <p:sp>
-        <p:nvSpPr>
-          <p:cNvPr id="13" name="CuadroTexto 12">
-            <a:extLst>
-              <a:ext uri="{FF2B5EF4-FFF2-40B4-BE49-F238E27FC236}">
-                <a16:creationId xmlns:a16="http://schemas.microsoft.com/office/drawing/2014/main" id="{E88BBEA2-EF2E-4DBA-8B32-E7522F14FC48}"/>
-              </a:ext>
-            </a:extLst>
-          </p:cNvPr>
-          <p:cNvSpPr txBox="1"/>
-          <p:nvPr/>
-        </p:nvSpPr>
-        <p:spPr>
-          <a:xfrm>
-            <a:off x="1581047" y="2703568"/>
-            <a:ext cx="798967" cy="276999"/>
-          </a:xfrm>
-          <a:prstGeom prst="rect">
-            <a:avLst/>
-          </a:prstGeom>
-          <a:noFill/>
-        </p:spPr>
-        <p:txBody>
-          <a:bodyPr wrap="square" rtlCol="0">
-            <a:spAutoFit/>
-          </a:bodyPr>
-          <a:lstStyle/>
-          <a:p>
-            <a:r>
-              <a:rPr lang="es-EC" sz="1200" dirty="0">
-                <a:solidFill>
-                  <a:srgbClr val="404044"/>
-                </a:solidFill>
-                <a:latin typeface="Roboto Slab Medium" pitchFamily="2" charset="0"/>
-                <a:ea typeface="Roboto Slab Medium" pitchFamily="2" charset="0"/>
-              </a:rPr>
-              <a:t>Hello</a:t>
-            </a:r>
-            <a:endParaRPr lang="es-ES" dirty="0">
-              <a:solidFill>
-                <a:srgbClr val="404044"/>
-              </a:solidFill>
-              <a:latin typeface="Roboto Slab Medium" pitchFamily="2" charset="0"/>
-              <a:ea typeface="Roboto Slab Medium" pitchFamily="2" charset="0"/>
+              <a:latin typeface="Roboto Slab ExtraBold" pitchFamily="2" charset="0"/>
+              <a:ea typeface="Roboto Slab ExtraBold" pitchFamily="2" charset="0"/>
             </a:endParaRPr>
           </a:p>
         </p:txBody>
       </p:sp>
       <p:grpSp>
         <p:nvGrpSpPr>
-          <p:cNvPr id="14" name="Grupo 13">
-            <a:extLst>
-              <a:ext uri="{FF2B5EF4-FFF2-40B4-BE49-F238E27FC236}">
-                <a16:creationId xmlns:a16="http://schemas.microsoft.com/office/drawing/2014/main" id="{43F4F405-A131-49A2-A56A-2A42DD144A62}"/>
+          <p:cNvPr id="13" name="Grupo 12">
+            <a:extLst>
+              <a:ext uri="{FF2B5EF4-FFF2-40B4-BE49-F238E27FC236}">
+                <a16:creationId xmlns:a16="http://schemas.microsoft.com/office/drawing/2014/main" id="{C7691B0C-4F22-403C-AEA0-015A96CF8479}"/>
               </a:ext>
             </a:extLst>
           </p:cNvPr>
@@ -13263,111 +14920,18 @@
         </p:nvGrpSpPr>
         <p:grpSpPr>
           <a:xfrm>
-            <a:off x="1090480" y="608789"/>
-            <a:ext cx="9306645" cy="1564327"/>
-            <a:chOff x="2491713" y="3758653"/>
-            <a:chExt cx="9306645" cy="1564327"/>
+            <a:off x="250453" y="2763384"/>
+            <a:ext cx="1783881" cy="824970"/>
+            <a:chOff x="401451" y="2763384"/>
+            <a:chExt cx="1783881" cy="824970"/>
           </a:xfrm>
         </p:grpSpPr>
         <p:sp>
           <p:nvSpPr>
-            <p:cNvPr id="15" name="Rectángulo 14">
+            <p:cNvPr id="8" name="CuadroTexto 7">
               <a:extLst>
                 <a:ext uri="{FF2B5EF4-FFF2-40B4-BE49-F238E27FC236}">
-                  <a16:creationId xmlns:a16="http://schemas.microsoft.com/office/drawing/2014/main" id="{7785F8E3-4853-445E-9D1F-EA3A8864FB75}"/>
-                </a:ext>
-              </a:extLst>
-            </p:cNvPr>
-            <p:cNvSpPr/>
-            <p:nvPr/>
-          </p:nvSpPr>
-          <p:spPr>
-            <a:xfrm>
-              <a:off x="2494967" y="3795658"/>
-              <a:ext cx="9303391" cy="290092"/>
-            </a:xfrm>
-            <a:prstGeom prst="rect">
-              <a:avLst/>
-            </a:prstGeom>
-            <a:solidFill>
-              <a:srgbClr val="1ABC9C"/>
-            </a:solidFill>
-            <a:ln>
-              <a:solidFill>
-                <a:srgbClr val="1ABC9C"/>
-              </a:solidFill>
-            </a:ln>
-          </p:spPr>
-          <p:style>
-            <a:lnRef idx="2">
-              <a:schemeClr val="accent1">
-                <a:shade val="50000"/>
-              </a:schemeClr>
-            </a:lnRef>
-            <a:fillRef idx="1">
-              <a:schemeClr val="accent1"/>
-            </a:fillRef>
-            <a:effectRef idx="0">
-              <a:schemeClr val="accent1"/>
-            </a:effectRef>
-            <a:fontRef idx="minor">
-              <a:schemeClr val="lt1"/>
-            </a:fontRef>
-          </p:style>
-          <p:txBody>
-            <a:bodyPr rtlCol="0" anchor="ctr"/>
-            <a:lstStyle/>
-            <a:p>
-              <a:pPr algn="r"/>
-              <a:endParaRPr lang="es-ES" dirty="0"/>
-            </a:p>
-          </p:txBody>
-        </p:sp>
-        <p:pic>
-          <p:nvPicPr>
-            <p:cNvPr id="16" name="Gráfico 15" descr="Información">
-              <a:extLst>
-                <a:ext uri="{FF2B5EF4-FFF2-40B4-BE49-F238E27FC236}">
-                  <a16:creationId xmlns:a16="http://schemas.microsoft.com/office/drawing/2014/main" id="{9A0784A0-515C-4C4B-A692-EC59520695ED}"/>
-                </a:ext>
-              </a:extLst>
-            </p:cNvPr>
-            <p:cNvPicPr>
-              <a:picLocks noChangeAspect="1"/>
-            </p:cNvPicPr>
-            <p:nvPr/>
-          </p:nvPicPr>
-          <p:blipFill>
-            <a:blip r:embed="rId2">
-              <a:extLst>
-                <a:ext uri="{28A0092B-C50C-407E-A947-70E740481C1C}">
-                  <a14:useLocalDpi xmlns:a14="http://schemas.microsoft.com/office/drawing/2010/main" val="0"/>
-                </a:ext>
-                <a:ext uri="{96DAC541-7B7A-43D3-8B79-37D633B846F1}">
-                  <asvg:svgBlip xmlns:asvg="http://schemas.microsoft.com/office/drawing/2016/SVG/main" r:embed="rId3"/>
-                </a:ext>
-              </a:extLst>
-            </a:blip>
-            <a:stretch>
-              <a:fillRect/>
-            </a:stretch>
-          </p:blipFill>
-          <p:spPr>
-            <a:xfrm>
-              <a:off x="2493256" y="3795659"/>
-              <a:ext cx="275245" cy="290986"/>
-            </a:xfrm>
-            <a:prstGeom prst="rect">
-              <a:avLst/>
-            </a:prstGeom>
-          </p:spPr>
-        </p:pic>
-        <p:sp>
-          <p:nvSpPr>
-            <p:cNvPr id="17" name="CuadroTexto 16">
-              <a:extLst>
-                <a:ext uri="{FF2B5EF4-FFF2-40B4-BE49-F238E27FC236}">
-                  <a16:creationId xmlns:a16="http://schemas.microsoft.com/office/drawing/2014/main" id="{CE16275E-DB29-452D-90FB-D9E99F1D6BDE}"/>
+                  <a16:creationId xmlns:a16="http://schemas.microsoft.com/office/drawing/2014/main" id="{C1F8EB57-33C4-4033-AA8D-FC10A25F42B2}"/>
                 </a:ext>
               </a:extLst>
             </p:cNvPr>
@@ -13376,8 +14940,8 @@
           </p:nvSpPr>
           <p:spPr>
             <a:xfrm>
-              <a:off x="2694812" y="3758653"/>
-              <a:ext cx="8989090" cy="369332"/>
+              <a:off x="401452" y="2763384"/>
+              <a:ext cx="1783880" cy="261610"/>
             </a:xfrm>
             <a:prstGeom prst="rect">
               <a:avLst/>
@@ -13391,18 +14955,38 @@
             <a:lstStyle/>
             <a:p>
               <a:r>
-                <a:rPr lang="es-EC" b="1" dirty="0">
+                <a:rPr lang="es-EC" sz="1100" dirty="0">
                   <a:solidFill>
-                    <a:schemeClr val="bg1"/>
+                    <a:srgbClr val="D9D9D9"/>
                   </a:solidFill>
                   <a:latin typeface="Roboto Slab" pitchFamily="2" charset="0"/>
                   <a:ea typeface="Roboto Slab" pitchFamily="2" charset="0"/>
                 </a:rPr>
-                <a:t>Titulo</a:t>
+                <a:t>+ </a:t>
               </a:r>
-              <a:endParaRPr lang="es-ES" sz="3200" b="1" dirty="0">
-                <a:solidFill>
-                  <a:schemeClr val="bg1"/>
+              <a:r>
+                <a:rPr lang="es-EC" sz="1100" b="1" dirty="0">
+                  <a:solidFill>
+                    <a:srgbClr val="FFFFFF"/>
+                  </a:solidFill>
+                  <a:latin typeface="Roboto Slab" pitchFamily="2" charset="0"/>
+                  <a:ea typeface="Roboto Slab" pitchFamily="2" charset="0"/>
+                </a:rPr>
+                <a:t>SUSCRIBETE</a:t>
+              </a:r>
+              <a:r>
+                <a:rPr lang="es-EC" sz="1100" dirty="0">
+                  <a:solidFill>
+                    <a:srgbClr val="D9D9D9"/>
+                  </a:solidFill>
+                  <a:latin typeface="Roboto Slab" pitchFamily="2" charset="0"/>
+                  <a:ea typeface="Roboto Slab" pitchFamily="2" charset="0"/>
+                </a:rPr>
+                <a:t> al Canal</a:t>
+              </a:r>
+              <a:endParaRPr lang="es-ES" dirty="0">
+                <a:solidFill>
+                  <a:srgbClr val="D9D9D9"/>
                 </a:solidFill>
                 <a:latin typeface="Roboto Slab" pitchFamily="2" charset="0"/>
                 <a:ea typeface="Roboto Slab" pitchFamily="2" charset="0"/>
@@ -13412,63 +14996,516 @@
         </p:sp>
         <p:sp>
           <p:nvSpPr>
-            <p:cNvPr id="18" name="Rectángulo 17">
+            <p:cNvPr id="9" name="CuadroTexto 8">
               <a:extLst>
                 <a:ext uri="{FF2B5EF4-FFF2-40B4-BE49-F238E27FC236}">
-                  <a16:creationId xmlns:a16="http://schemas.microsoft.com/office/drawing/2014/main" id="{63B60BBE-2798-4605-A2CB-7F2268A65B7B}"/>
+                  <a16:creationId xmlns:a16="http://schemas.microsoft.com/office/drawing/2014/main" id="{43FFCE67-7EBE-418A-9898-466614E67378}"/>
                 </a:ext>
               </a:extLst>
             </p:cNvPr>
-            <p:cNvSpPr/>
+            <p:cNvSpPr txBox="1"/>
             <p:nvPr/>
           </p:nvSpPr>
           <p:spPr>
             <a:xfrm>
-              <a:off x="2491713" y="4100458"/>
-              <a:ext cx="9303390" cy="1222522"/>
+              <a:off x="401451" y="2952813"/>
+              <a:ext cx="1783879" cy="261610"/>
             </a:xfrm>
             <a:prstGeom prst="rect">
               <a:avLst/>
             </a:prstGeom>
-            <a:solidFill>
-              <a:srgbClr val="DBFAF4"/>
-            </a:solidFill>
-            <a:ln>
-              <a:solidFill>
-                <a:srgbClr val="DBFAF4"/>
-              </a:solidFill>
-            </a:ln>
+            <a:noFill/>
           </p:spPr>
-          <p:style>
-            <a:lnRef idx="2">
-              <a:schemeClr val="accent1">
-                <a:shade val="50000"/>
-              </a:schemeClr>
-            </a:lnRef>
-            <a:fillRef idx="1">
-              <a:schemeClr val="accent1"/>
-            </a:fillRef>
-            <a:effectRef idx="0">
-              <a:schemeClr val="accent1"/>
-            </a:effectRef>
-            <a:fontRef idx="minor">
-              <a:schemeClr val="lt1"/>
-            </a:fontRef>
-          </p:style>
           <p:txBody>
-            <a:bodyPr rtlCol="0" anchor="ctr"/>
+            <a:bodyPr wrap="square" rtlCol="0">
+              <a:spAutoFit/>
+            </a:bodyPr>
             <a:lstStyle/>
             <a:p>
-              <a:pPr algn="r"/>
-              <a:endParaRPr lang="es-ES" dirty="0"/>
+              <a:r>
+                <a:rPr lang="es-EC" sz="1100" dirty="0">
+                  <a:solidFill>
+                    <a:srgbClr val="D9D9D9"/>
+                  </a:solidFill>
+                  <a:latin typeface="Roboto Slab" pitchFamily="2" charset="0"/>
+                  <a:ea typeface="Roboto Slab" pitchFamily="2" charset="0"/>
+                </a:rPr>
+                <a:t>+ Dale Like a este Video</a:t>
+              </a:r>
+              <a:endParaRPr lang="es-ES" dirty="0">
+                <a:solidFill>
+                  <a:srgbClr val="D9D9D9"/>
+                </a:solidFill>
+                <a:latin typeface="Roboto Slab" pitchFamily="2" charset="0"/>
+                <a:ea typeface="Roboto Slab" pitchFamily="2" charset="0"/>
+              </a:endParaRPr>
+            </a:p>
+          </p:txBody>
+        </p:sp>
+        <p:sp>
+          <p:nvSpPr>
+            <p:cNvPr id="10" name="CuadroTexto 9">
+              <a:extLst>
+                <a:ext uri="{FF2B5EF4-FFF2-40B4-BE49-F238E27FC236}">
+                  <a16:creationId xmlns:a16="http://schemas.microsoft.com/office/drawing/2014/main" id="{DACBB831-D306-4834-AB3C-1EB9FA485614}"/>
+                </a:ext>
+              </a:extLst>
+            </p:cNvPr>
+            <p:cNvSpPr txBox="1"/>
+            <p:nvPr/>
+          </p:nvSpPr>
+          <p:spPr>
+            <a:xfrm>
+              <a:off x="401451" y="3133827"/>
+              <a:ext cx="1121151" cy="261610"/>
+            </a:xfrm>
+            <a:prstGeom prst="rect">
+              <a:avLst/>
+            </a:prstGeom>
+            <a:noFill/>
+          </p:spPr>
+          <p:txBody>
+            <a:bodyPr wrap="square" rtlCol="0">
+              <a:spAutoFit/>
+            </a:bodyPr>
+            <a:lstStyle/>
+            <a:p>
+              <a:r>
+                <a:rPr lang="es-EC" sz="1100" dirty="0">
+                  <a:solidFill>
+                    <a:srgbClr val="D9D9D9"/>
+                  </a:solidFill>
+                  <a:latin typeface="Roboto Slab" pitchFamily="2" charset="0"/>
+                  <a:ea typeface="Roboto Slab" pitchFamily="2" charset="0"/>
+                </a:rPr>
+                <a:t>+ Compártelo </a:t>
+              </a:r>
+              <a:endParaRPr lang="es-ES" dirty="0">
+                <a:solidFill>
+                  <a:srgbClr val="D9D9D9"/>
+                </a:solidFill>
+                <a:latin typeface="Roboto Slab" pitchFamily="2" charset="0"/>
+                <a:ea typeface="Roboto Slab" pitchFamily="2" charset="0"/>
+              </a:endParaRPr>
+            </a:p>
+          </p:txBody>
+        </p:sp>
+        <p:sp>
+          <p:nvSpPr>
+            <p:cNvPr id="11" name="CuadroTexto 10">
+              <a:extLst>
+                <a:ext uri="{FF2B5EF4-FFF2-40B4-BE49-F238E27FC236}">
+                  <a16:creationId xmlns:a16="http://schemas.microsoft.com/office/drawing/2014/main" id="{B18B7368-A5C3-4EBC-99E8-D78382DAEB6A}"/>
+                </a:ext>
+              </a:extLst>
+            </p:cNvPr>
+            <p:cNvSpPr txBox="1"/>
+            <p:nvPr/>
+          </p:nvSpPr>
+          <p:spPr>
+            <a:xfrm>
+              <a:off x="401451" y="3326744"/>
+              <a:ext cx="1611907" cy="261610"/>
+            </a:xfrm>
+            <a:prstGeom prst="rect">
+              <a:avLst/>
+            </a:prstGeom>
+            <a:noFill/>
+          </p:spPr>
+          <p:txBody>
+            <a:bodyPr wrap="square" rtlCol="0">
+              <a:spAutoFit/>
+            </a:bodyPr>
+            <a:lstStyle/>
+            <a:p>
+              <a:r>
+                <a:rPr lang="es-EC" sz="1100" dirty="0">
+                  <a:solidFill>
+                    <a:srgbClr val="D9D9D9"/>
+                  </a:solidFill>
+                  <a:latin typeface="Roboto Slab" pitchFamily="2" charset="0"/>
+                  <a:ea typeface="Roboto Slab" pitchFamily="2" charset="0"/>
+                </a:rPr>
+                <a:t>+ Deja un Comentario </a:t>
+              </a:r>
+              <a:endParaRPr lang="es-ES" dirty="0">
+                <a:solidFill>
+                  <a:srgbClr val="D9D9D9"/>
+                </a:solidFill>
+                <a:latin typeface="Roboto Slab" pitchFamily="2" charset="0"/>
+                <a:ea typeface="Roboto Slab" pitchFamily="2" charset="0"/>
+              </a:endParaRPr>
             </a:p>
           </p:txBody>
         </p:sp>
       </p:grpSp>
+      <p:cxnSp>
+        <p:nvCxnSpPr>
+          <p:cNvPr id="12" name="Conector recto 11">
+            <a:extLst>
+              <a:ext uri="{FF2B5EF4-FFF2-40B4-BE49-F238E27FC236}">
+                <a16:creationId xmlns:a16="http://schemas.microsoft.com/office/drawing/2014/main" id="{1AA10E3C-921F-46D5-94FB-E38F7B4ED3B8}"/>
+              </a:ext>
+            </a:extLst>
+          </p:cNvPr>
+          <p:cNvCxnSpPr/>
+          <p:nvPr/>
+        </p:nvCxnSpPr>
+        <p:spPr>
+          <a:xfrm>
+            <a:off x="2567033" y="604007"/>
+            <a:ext cx="9303391" cy="0"/>
+          </a:xfrm>
+          <a:prstGeom prst="line">
+            <a:avLst/>
+          </a:prstGeom>
+          <a:ln>
+            <a:solidFill>
+              <a:srgbClr val="E1E4E5"/>
+            </a:solidFill>
+          </a:ln>
+        </p:spPr>
+        <p:style>
+          <a:lnRef idx="1">
+            <a:schemeClr val="accent1"/>
+          </a:lnRef>
+          <a:fillRef idx="0">
+            <a:schemeClr val="accent1"/>
+          </a:fillRef>
+          <a:effectRef idx="0">
+            <a:schemeClr val="accent1"/>
+          </a:effectRef>
+          <a:fontRef idx="minor">
+            <a:schemeClr val="tx1"/>
+          </a:fontRef>
+        </p:style>
+      </p:cxnSp>
+      <p:grpSp>
+        <p:nvGrpSpPr>
+          <p:cNvPr id="17" name="Grupo 16">
+            <a:extLst>
+              <a:ext uri="{FF2B5EF4-FFF2-40B4-BE49-F238E27FC236}">
+                <a16:creationId xmlns:a16="http://schemas.microsoft.com/office/drawing/2014/main" id="{D4CDD93E-97F8-4C05-B441-69FEFEA5F1BA}"/>
+              </a:ext>
+            </a:extLst>
+          </p:cNvPr>
+          <p:cNvGrpSpPr/>
+          <p:nvPr/>
+        </p:nvGrpSpPr>
+        <p:grpSpPr>
+          <a:xfrm>
+            <a:off x="10912869" y="318004"/>
+            <a:ext cx="987846" cy="261610"/>
+            <a:chOff x="9801335" y="318004"/>
+            <a:chExt cx="987846" cy="261610"/>
+          </a:xfrm>
+        </p:grpSpPr>
+        <p:pic>
+          <p:nvPicPr>
+            <p:cNvPr id="14" name="Imagen 13">
+              <a:extLst>
+                <a:ext uri="{FF2B5EF4-FFF2-40B4-BE49-F238E27FC236}">
+                  <a16:creationId xmlns:a16="http://schemas.microsoft.com/office/drawing/2014/main" id="{E726A2B6-FEC8-4827-AA4D-BB9516721C51}"/>
+                </a:ext>
+              </a:extLst>
+            </p:cNvPr>
+            <p:cNvPicPr>
+              <a:picLocks noChangeAspect="1"/>
+            </p:cNvPicPr>
+            <p:nvPr/>
+          </p:nvPicPr>
+          <p:blipFill>
+            <a:blip r:embed="rId3"/>
+            <a:stretch>
+              <a:fillRect/>
+            </a:stretch>
+          </p:blipFill>
+          <p:spPr>
+            <a:xfrm flipH="1">
+              <a:off x="9801335" y="354740"/>
+              <a:ext cx="172797" cy="184317"/>
+            </a:xfrm>
+            <a:prstGeom prst="rect">
+              <a:avLst/>
+            </a:prstGeom>
+          </p:spPr>
+        </p:pic>
+        <p:sp>
+          <p:nvSpPr>
+            <p:cNvPr id="18" name="CuadroTexto 17">
+              <a:extLst>
+                <a:ext uri="{FF2B5EF4-FFF2-40B4-BE49-F238E27FC236}">
+                  <a16:creationId xmlns:a16="http://schemas.microsoft.com/office/drawing/2014/main" id="{DB248E5C-1BD6-48B2-8934-11EAC47C30E6}"/>
+                </a:ext>
+              </a:extLst>
+            </p:cNvPr>
+            <p:cNvSpPr txBox="1"/>
+            <p:nvPr/>
+          </p:nvSpPr>
+          <p:spPr>
+            <a:xfrm>
+              <a:off x="9912709" y="318004"/>
+              <a:ext cx="876472" cy="261610"/>
+            </a:xfrm>
+            <a:prstGeom prst="rect">
+              <a:avLst/>
+            </a:prstGeom>
+            <a:noFill/>
+          </p:spPr>
+          <p:txBody>
+            <a:bodyPr wrap="square" rtlCol="0">
+              <a:spAutoFit/>
+            </a:bodyPr>
+            <a:lstStyle/>
+            <a:p>
+              <a:r>
+                <a:rPr lang="es-EC" sz="1100" dirty="0">
+                  <a:solidFill>
+                    <a:srgbClr val="2980B9"/>
+                  </a:solidFill>
+                  <a:latin typeface="Roboto Slab" pitchFamily="2" charset="0"/>
+                  <a:ea typeface="Roboto Slab" pitchFamily="2" charset="0"/>
+                </a:rPr>
+                <a:t>Irwin1985</a:t>
+              </a:r>
+              <a:endParaRPr lang="es-ES" dirty="0">
+                <a:solidFill>
+                  <a:srgbClr val="2980B9"/>
+                </a:solidFill>
+                <a:latin typeface="Roboto Slab" pitchFamily="2" charset="0"/>
+                <a:ea typeface="Roboto Slab" pitchFamily="2" charset="0"/>
+              </a:endParaRPr>
+            </a:p>
+          </p:txBody>
+        </p:sp>
+      </p:grpSp>
+      <p:sp>
+        <p:nvSpPr>
+          <p:cNvPr id="27" name="CuadroTexto 26">
+            <a:extLst>
+              <a:ext uri="{FF2B5EF4-FFF2-40B4-BE49-F238E27FC236}">
+                <a16:creationId xmlns:a16="http://schemas.microsoft.com/office/drawing/2014/main" id="{E186D544-1216-4554-9BF7-0AD3836475C8}"/>
+              </a:ext>
+            </a:extLst>
+          </p:cNvPr>
+          <p:cNvSpPr txBox="1"/>
+          <p:nvPr/>
+        </p:nvSpPr>
+        <p:spPr>
+          <a:xfrm>
+            <a:off x="3617780" y="3010716"/>
+            <a:ext cx="6776214" cy="769441"/>
+          </a:xfrm>
+          <a:prstGeom prst="rect">
+            <a:avLst/>
+          </a:prstGeom>
+          <a:noFill/>
+        </p:spPr>
+        <p:txBody>
+          <a:bodyPr wrap="none" rtlCol="0">
+            <a:spAutoFit/>
+          </a:bodyPr>
+          <a:lstStyle/>
+          <a:p>
+            <a:r>
+              <a:rPr lang="es-EC" sz="4400" dirty="0">
+                <a:solidFill>
+                  <a:srgbClr val="404040"/>
+                </a:solidFill>
+                <a:latin typeface="Roboto Slab" pitchFamily="2" charset="0"/>
+                <a:ea typeface="Roboto Slab" pitchFamily="2" charset="0"/>
+              </a:rPr>
+              <a:t>!Gracias por ver el video!</a:t>
+            </a:r>
+            <a:endParaRPr lang="es-ES" sz="4400" dirty="0">
+              <a:solidFill>
+                <a:srgbClr val="404040"/>
+              </a:solidFill>
+              <a:latin typeface="Roboto Slab" pitchFamily="2" charset="0"/>
+              <a:ea typeface="Roboto Slab" pitchFamily="2" charset="0"/>
+            </a:endParaRPr>
+          </a:p>
+        </p:txBody>
+      </p:sp>
+      <p:grpSp>
+        <p:nvGrpSpPr>
+          <p:cNvPr id="30" name="Grupo 29">
+            <a:extLst>
+              <a:ext uri="{FF2B5EF4-FFF2-40B4-BE49-F238E27FC236}">
+                <a16:creationId xmlns:a16="http://schemas.microsoft.com/office/drawing/2014/main" id="{92C3915A-D100-4960-859D-F653CCD625FC}"/>
+              </a:ext>
+            </a:extLst>
+          </p:cNvPr>
+          <p:cNvGrpSpPr/>
+          <p:nvPr/>
+        </p:nvGrpSpPr>
+        <p:grpSpPr>
+          <a:xfrm>
+            <a:off x="2491713" y="294224"/>
+            <a:ext cx="7208574" cy="289675"/>
+            <a:chOff x="2491713" y="294224"/>
+            <a:chExt cx="7208574" cy="289675"/>
+          </a:xfrm>
+        </p:grpSpPr>
+        <p:sp>
+          <p:nvSpPr>
+            <p:cNvPr id="31" name="CuadroTexto 30">
+              <a:extLst>
+                <a:ext uri="{FF2B5EF4-FFF2-40B4-BE49-F238E27FC236}">
+                  <a16:creationId xmlns:a16="http://schemas.microsoft.com/office/drawing/2014/main" id="{C7CA374C-5ECD-4D9B-9A63-D9FA01B070FC}"/>
+                </a:ext>
+              </a:extLst>
+            </p:cNvPr>
+            <p:cNvSpPr txBox="1"/>
+            <p:nvPr/>
+          </p:nvSpPr>
+          <p:spPr>
+            <a:xfrm>
+              <a:off x="2491713" y="294224"/>
+              <a:ext cx="2714626" cy="276999"/>
+            </a:xfrm>
+            <a:prstGeom prst="rect">
+              <a:avLst/>
+            </a:prstGeom>
+            <a:noFill/>
+          </p:spPr>
+          <p:txBody>
+            <a:bodyPr wrap="square" rtlCol="0">
+              <a:spAutoFit/>
+            </a:bodyPr>
+            <a:lstStyle/>
+            <a:p>
+              <a:r>
+                <a:rPr lang="es-EC" sz="1200" dirty="0">
+                  <a:solidFill>
+                    <a:srgbClr val="2980B9"/>
+                  </a:solidFill>
+                  <a:latin typeface="Roboto Slab" pitchFamily="2" charset="0"/>
+                  <a:ea typeface="Roboto Slab" pitchFamily="2" charset="0"/>
+                </a:rPr>
+                <a:t>Tutoriales </a:t>
+              </a:r>
+              <a:r>
+                <a:rPr lang="es-EC" sz="1200" dirty="0">
+                  <a:solidFill>
+                    <a:srgbClr val="404040"/>
+                  </a:solidFill>
+                  <a:latin typeface="Roboto Slab" pitchFamily="2" charset="0"/>
+                  <a:ea typeface="Roboto Slab" pitchFamily="2" charset="0"/>
+                </a:rPr>
+                <a:t>&gt;&gt; Godot Engine – 3.1 &gt;&gt; </a:t>
+              </a:r>
+              <a:endParaRPr lang="es-ES" sz="2000" dirty="0">
+                <a:solidFill>
+                  <a:srgbClr val="2980B9"/>
+                </a:solidFill>
+                <a:latin typeface="Roboto Slab" pitchFamily="2" charset="0"/>
+                <a:ea typeface="Roboto Slab" pitchFamily="2" charset="0"/>
+              </a:endParaRPr>
+            </a:p>
+          </p:txBody>
+        </p:sp>
+        <p:sp>
+          <p:nvSpPr>
+            <p:cNvPr id="32" name="CuadroTexto 31">
+              <a:extLst>
+                <a:ext uri="{FF2B5EF4-FFF2-40B4-BE49-F238E27FC236}">
+                  <a16:creationId xmlns:a16="http://schemas.microsoft.com/office/drawing/2014/main" id="{9DFFCF53-9FE7-4A77-A02E-7F44CD11851F}"/>
+                </a:ext>
+              </a:extLst>
+            </p:cNvPr>
+            <p:cNvSpPr txBox="1"/>
+            <p:nvPr/>
+          </p:nvSpPr>
+          <p:spPr>
+            <a:xfrm>
+              <a:off x="5019096" y="306900"/>
+              <a:ext cx="4681191" cy="276999"/>
+            </a:xfrm>
+            <a:prstGeom prst="rect">
+              <a:avLst/>
+            </a:prstGeom>
+            <a:noFill/>
+          </p:spPr>
+          <p:txBody>
+            <a:bodyPr wrap="square" rtlCol="0">
+              <a:spAutoFit/>
+            </a:bodyPr>
+            <a:lstStyle/>
+            <a:p>
+              <a:r>
+                <a:rPr lang="es-EC" sz="1200" dirty="0">
+                  <a:solidFill>
+                    <a:srgbClr val="2980B9"/>
+                  </a:solidFill>
+                  <a:latin typeface="Roboto Slab" pitchFamily="2" charset="0"/>
+                  <a:ea typeface="Roboto Slab" pitchFamily="2" charset="0"/>
+                </a:rPr>
+                <a:t>Lo que necesitas saber antes de comenzar a crear videojuegos</a:t>
+              </a:r>
+              <a:endParaRPr lang="es-ES" sz="2000" dirty="0">
+                <a:solidFill>
+                  <a:srgbClr val="2980B9"/>
+                </a:solidFill>
+                <a:latin typeface="Roboto Slab" pitchFamily="2" charset="0"/>
+                <a:ea typeface="Roboto Slab" pitchFamily="2" charset="0"/>
+              </a:endParaRPr>
+            </a:p>
+          </p:txBody>
+        </p:sp>
+      </p:grpSp>
+      <p:sp>
+        <p:nvSpPr>
+          <p:cNvPr id="33" name="CuadroTexto 32">
+            <a:extLst>
+              <a:ext uri="{FF2B5EF4-FFF2-40B4-BE49-F238E27FC236}">
+                <a16:creationId xmlns:a16="http://schemas.microsoft.com/office/drawing/2014/main" id="{BBD50815-0C49-4487-A2CE-C725979FB496}"/>
+              </a:ext>
+            </a:extLst>
+          </p:cNvPr>
+          <p:cNvSpPr txBox="1"/>
+          <p:nvPr/>
+        </p:nvSpPr>
+        <p:spPr>
+          <a:xfrm>
+            <a:off x="3849026" y="5779391"/>
+            <a:ext cx="6324167" cy="769441"/>
+          </a:xfrm>
+          <a:prstGeom prst="rect">
+            <a:avLst/>
+          </a:prstGeom>
+          <a:noFill/>
+        </p:spPr>
+        <p:txBody>
+          <a:bodyPr wrap="none" rtlCol="0">
+            <a:spAutoFit/>
+          </a:bodyPr>
+          <a:lstStyle/>
+          <a:p>
+            <a:r>
+              <a:rPr lang="es-EC" sz="4400" dirty="0">
+                <a:solidFill>
+                  <a:srgbClr val="404040"/>
+                </a:solidFill>
+                <a:latin typeface="Roboto Slab" pitchFamily="2" charset="0"/>
+                <a:ea typeface="Roboto Slab" pitchFamily="2" charset="0"/>
+              </a:rPr>
+              <a:t>Suscribirse es GRATIS</a:t>
+            </a:r>
+            <a:endParaRPr lang="es-ES" sz="4400" dirty="0">
+              <a:solidFill>
+                <a:srgbClr val="404040"/>
+              </a:solidFill>
+              <a:latin typeface="Roboto Slab" pitchFamily="2" charset="0"/>
+              <a:ea typeface="Roboto Slab" pitchFamily="2" charset="0"/>
+            </a:endParaRPr>
+          </a:p>
+        </p:txBody>
+      </p:sp>
     </p:spTree>
     <p:extLst>
       <p:ext uri="{BB962C8B-B14F-4D97-AF65-F5344CB8AC3E}">
-        <p14:creationId xmlns:p14="http://schemas.microsoft.com/office/powerpoint/2010/main" val="3213522453"/>
+        <p14:creationId xmlns:p14="http://schemas.microsoft.com/office/powerpoint/2010/main" val="595128"/>
       </p:ext>
     </p:extLst>
   </p:cSld>
